--- a/workshop/figures/update/figures.pptx
+++ b/workshop/figures/update/figures.pptx
@@ -4763,6 +4763,1027 @@
           <a:chExt cx="0" cy="0"/>
         </a:xfrm>
       </p:grpSpPr>
+      <p:grpSp>
+        <p:nvGrpSpPr>
+          <p:cNvPr id="77" name="Group 76">
+            <a:extLst>
+              <a:ext uri="{FF2B5EF4-FFF2-40B4-BE49-F238E27FC236}">
+                <a16:creationId xmlns:a16="http://schemas.microsoft.com/office/drawing/2014/main" id="{4EA4459D-97BB-4F9E-64CB-6827291F630A}"/>
+              </a:ext>
+            </a:extLst>
+          </p:cNvPr>
+          <p:cNvGrpSpPr/>
+          <p:nvPr/>
+        </p:nvGrpSpPr>
+        <p:grpSpPr>
+          <a:xfrm>
+            <a:off x="1206932" y="-211468"/>
+            <a:ext cx="4889068" cy="7173393"/>
+            <a:chOff x="1206932" y="-211468"/>
+            <a:chExt cx="4889068" cy="7173393"/>
+          </a:xfrm>
+        </p:grpSpPr>
+        <p:pic>
+          <p:nvPicPr>
+            <p:cNvPr id="57" name="Picture 56" descr="A graph with colored lines and dots&#10;&#10;Description automatically generated">
+              <a:extLst>
+                <a:ext uri="{FF2B5EF4-FFF2-40B4-BE49-F238E27FC236}">
+                  <a16:creationId xmlns:a16="http://schemas.microsoft.com/office/drawing/2014/main" id="{0B2E315D-0FEA-C8D2-4D71-ED6DE0178758}"/>
+                </a:ext>
+              </a:extLst>
+            </p:cNvPr>
+            <p:cNvPicPr>
+              <a:picLocks noChangeAspect="1"/>
+            </p:cNvPicPr>
+            <p:nvPr/>
+          </p:nvPicPr>
+          <p:blipFill>
+            <a:blip r:embed="rId2"/>
+            <a:stretch>
+              <a:fillRect/>
+            </a:stretch>
+          </p:blipFill>
+          <p:spPr>
+            <a:xfrm>
+              <a:off x="1718672" y="5585553"/>
+              <a:ext cx="1336064" cy="1002048"/>
+            </a:xfrm>
+            <a:prstGeom prst="rect">
+              <a:avLst/>
+            </a:prstGeom>
+          </p:spPr>
+        </p:pic>
+        <p:pic>
+          <p:nvPicPr>
+            <p:cNvPr id="59" name="Picture 58" descr="A graph of different colored lines&#10;&#10;Description automatically generated">
+              <a:extLst>
+                <a:ext uri="{FF2B5EF4-FFF2-40B4-BE49-F238E27FC236}">
+                  <a16:creationId xmlns:a16="http://schemas.microsoft.com/office/drawing/2014/main" id="{9A6E0F1E-FD44-1DCE-3E74-5D6950B320D4}"/>
+                </a:ext>
+              </a:extLst>
+            </p:cNvPr>
+            <p:cNvPicPr>
+              <a:picLocks noChangeAspect="1"/>
+            </p:cNvPicPr>
+            <p:nvPr/>
+          </p:nvPicPr>
+          <p:blipFill>
+            <a:blip r:embed="rId3"/>
+            <a:stretch>
+              <a:fillRect/>
+            </a:stretch>
+          </p:blipFill>
+          <p:spPr>
+            <a:xfrm>
+              <a:off x="1718672" y="4206582"/>
+              <a:ext cx="1336064" cy="1002048"/>
+            </a:xfrm>
+            <a:prstGeom prst="rect">
+              <a:avLst/>
+            </a:prstGeom>
+          </p:spPr>
+        </p:pic>
+        <p:pic>
+          <p:nvPicPr>
+            <p:cNvPr id="61" name="Picture 60" descr="A graph with lines and dots&#10;&#10;Description automatically generated">
+              <a:extLst>
+                <a:ext uri="{FF2B5EF4-FFF2-40B4-BE49-F238E27FC236}">
+                  <a16:creationId xmlns:a16="http://schemas.microsoft.com/office/drawing/2014/main" id="{166AE976-18D1-DD43-4112-155B2823E525}"/>
+                </a:ext>
+              </a:extLst>
+            </p:cNvPr>
+            <p:cNvPicPr>
+              <a:picLocks noChangeAspect="1"/>
+            </p:cNvPicPr>
+            <p:nvPr/>
+          </p:nvPicPr>
+          <p:blipFill>
+            <a:blip r:embed="rId4"/>
+            <a:stretch>
+              <a:fillRect/>
+            </a:stretch>
+          </p:blipFill>
+          <p:spPr>
+            <a:xfrm>
+              <a:off x="1718975" y="2857087"/>
+              <a:ext cx="1336064" cy="1002048"/>
+            </a:xfrm>
+            <a:prstGeom prst="rect">
+              <a:avLst/>
+            </a:prstGeom>
+          </p:spPr>
+        </p:pic>
+        <p:pic>
+          <p:nvPicPr>
+            <p:cNvPr id="63" name="Picture 62" descr="A graph with colored lines and dots&#10;&#10;Description automatically generated">
+              <a:extLst>
+                <a:ext uri="{FF2B5EF4-FFF2-40B4-BE49-F238E27FC236}">
+                  <a16:creationId xmlns:a16="http://schemas.microsoft.com/office/drawing/2014/main" id="{8CC6C558-40D5-A120-C070-0090599C7521}"/>
+                </a:ext>
+              </a:extLst>
+            </p:cNvPr>
+            <p:cNvPicPr>
+              <a:picLocks noChangeAspect="1"/>
+            </p:cNvPicPr>
+            <p:nvPr/>
+          </p:nvPicPr>
+          <p:blipFill>
+            <a:blip r:embed="rId5"/>
+            <a:stretch>
+              <a:fillRect/>
+            </a:stretch>
+          </p:blipFill>
+          <p:spPr>
+            <a:xfrm>
+              <a:off x="1718975" y="1464076"/>
+              <a:ext cx="1336064" cy="1002048"/>
+            </a:xfrm>
+            <a:prstGeom prst="rect">
+              <a:avLst/>
+            </a:prstGeom>
+          </p:spPr>
+        </p:pic>
+        <p:pic>
+          <p:nvPicPr>
+            <p:cNvPr id="65" name="Picture 64" descr="A graph with colored lines and dots&#10;&#10;Description automatically generated">
+              <a:extLst>
+                <a:ext uri="{FF2B5EF4-FFF2-40B4-BE49-F238E27FC236}">
+                  <a16:creationId xmlns:a16="http://schemas.microsoft.com/office/drawing/2014/main" id="{078550EC-9663-6B31-90B7-46781516414A}"/>
+                </a:ext>
+              </a:extLst>
+            </p:cNvPr>
+            <p:cNvPicPr>
+              <a:picLocks noChangeAspect="1"/>
+            </p:cNvPicPr>
+            <p:nvPr/>
+          </p:nvPicPr>
+          <p:blipFill>
+            <a:blip r:embed="rId6"/>
+            <a:stretch>
+              <a:fillRect/>
+            </a:stretch>
+          </p:blipFill>
+          <p:spPr>
+            <a:xfrm>
+              <a:off x="1718975" y="138244"/>
+              <a:ext cx="1336064" cy="1002048"/>
+            </a:xfrm>
+            <a:prstGeom prst="rect">
+              <a:avLst/>
+            </a:prstGeom>
+          </p:spPr>
+        </p:pic>
+        <p:pic>
+          <p:nvPicPr>
+            <p:cNvPr id="67" name="Picture 66" descr="A graph of different colored lines&#10;&#10;Description automatically generated">
+              <a:extLst>
+                <a:ext uri="{FF2B5EF4-FFF2-40B4-BE49-F238E27FC236}">
+                  <a16:creationId xmlns:a16="http://schemas.microsoft.com/office/drawing/2014/main" id="{0BE11671-2BEE-3E34-24BA-3087232595E6}"/>
+                </a:ext>
+              </a:extLst>
+            </p:cNvPr>
+            <p:cNvPicPr>
+              <a:picLocks noChangeAspect="1"/>
+            </p:cNvPicPr>
+            <p:nvPr/>
+          </p:nvPicPr>
+          <p:blipFill>
+            <a:blip r:embed="rId7"/>
+            <a:stretch>
+              <a:fillRect/>
+            </a:stretch>
+          </p:blipFill>
+          <p:spPr>
+            <a:xfrm>
+              <a:off x="3575570" y="5585553"/>
+              <a:ext cx="1336064" cy="1002048"/>
+            </a:xfrm>
+            <a:prstGeom prst="rect">
+              <a:avLst/>
+            </a:prstGeom>
+          </p:spPr>
+        </p:pic>
+        <p:pic>
+          <p:nvPicPr>
+            <p:cNvPr id="69" name="Picture 68" descr="A graph with different colored lines&#10;&#10;Description automatically generated">
+              <a:extLst>
+                <a:ext uri="{FF2B5EF4-FFF2-40B4-BE49-F238E27FC236}">
+                  <a16:creationId xmlns:a16="http://schemas.microsoft.com/office/drawing/2014/main" id="{3E0D4154-2070-6BD8-2E4B-087586DF3ED1}"/>
+                </a:ext>
+              </a:extLst>
+            </p:cNvPr>
+            <p:cNvPicPr>
+              <a:picLocks noChangeAspect="1"/>
+            </p:cNvPicPr>
+            <p:nvPr/>
+          </p:nvPicPr>
+          <p:blipFill>
+            <a:blip r:embed="rId8"/>
+            <a:stretch>
+              <a:fillRect/>
+            </a:stretch>
+          </p:blipFill>
+          <p:spPr>
+            <a:xfrm>
+              <a:off x="3575570" y="4206582"/>
+              <a:ext cx="1336064" cy="1002048"/>
+            </a:xfrm>
+            <a:prstGeom prst="rect">
+              <a:avLst/>
+            </a:prstGeom>
+          </p:spPr>
+        </p:pic>
+        <p:pic>
+          <p:nvPicPr>
+            <p:cNvPr id="71" name="Picture 70" descr="A graph with different colored lines&#10;&#10;Description automatically generated">
+              <a:extLst>
+                <a:ext uri="{FF2B5EF4-FFF2-40B4-BE49-F238E27FC236}">
+                  <a16:creationId xmlns:a16="http://schemas.microsoft.com/office/drawing/2014/main" id="{C18730C8-71FC-BE6B-B6BE-E928DB90C671}"/>
+                </a:ext>
+              </a:extLst>
+            </p:cNvPr>
+            <p:cNvPicPr>
+              <a:picLocks noChangeAspect="1"/>
+            </p:cNvPicPr>
+            <p:nvPr/>
+          </p:nvPicPr>
+          <p:blipFill>
+            <a:blip r:embed="rId9"/>
+            <a:stretch>
+              <a:fillRect/>
+            </a:stretch>
+          </p:blipFill>
+          <p:spPr>
+            <a:xfrm>
+              <a:off x="3575570" y="2850079"/>
+              <a:ext cx="1336064" cy="1002048"/>
+            </a:xfrm>
+            <a:prstGeom prst="rect">
+              <a:avLst/>
+            </a:prstGeom>
+          </p:spPr>
+        </p:pic>
+        <p:pic>
+          <p:nvPicPr>
+            <p:cNvPr id="73" name="Picture 72" descr="A graph with colored lines&#10;&#10;Description automatically generated">
+              <a:extLst>
+                <a:ext uri="{FF2B5EF4-FFF2-40B4-BE49-F238E27FC236}">
+                  <a16:creationId xmlns:a16="http://schemas.microsoft.com/office/drawing/2014/main" id="{E73BB776-4D11-984D-F74B-3A9FE0430013}"/>
+                </a:ext>
+              </a:extLst>
+            </p:cNvPr>
+            <p:cNvPicPr>
+              <a:picLocks noChangeAspect="1"/>
+            </p:cNvPicPr>
+            <p:nvPr/>
+          </p:nvPicPr>
+          <p:blipFill>
+            <a:blip r:embed="rId10"/>
+            <a:stretch>
+              <a:fillRect/>
+            </a:stretch>
+          </p:blipFill>
+          <p:spPr>
+            <a:xfrm>
+              <a:off x="3575570" y="1464076"/>
+              <a:ext cx="1336064" cy="1002048"/>
+            </a:xfrm>
+            <a:prstGeom prst="rect">
+              <a:avLst/>
+            </a:prstGeom>
+          </p:spPr>
+        </p:pic>
+        <p:pic>
+          <p:nvPicPr>
+            <p:cNvPr id="75" name="Picture 74" descr="A graph with colored lines&#10;&#10;Description automatically generated">
+              <a:extLst>
+                <a:ext uri="{FF2B5EF4-FFF2-40B4-BE49-F238E27FC236}">
+                  <a16:creationId xmlns:a16="http://schemas.microsoft.com/office/drawing/2014/main" id="{510DD634-F9E8-B4CE-8ABC-F6DD79247063}"/>
+                </a:ext>
+              </a:extLst>
+            </p:cNvPr>
+            <p:cNvPicPr>
+              <a:picLocks noChangeAspect="1"/>
+            </p:cNvPicPr>
+            <p:nvPr/>
+          </p:nvPicPr>
+          <p:blipFill>
+            <a:blip r:embed="rId11"/>
+            <a:stretch>
+              <a:fillRect/>
+            </a:stretch>
+          </p:blipFill>
+          <p:spPr>
+            <a:xfrm>
+              <a:off x="3575570" y="146567"/>
+              <a:ext cx="1336064" cy="1002048"/>
+            </a:xfrm>
+            <a:prstGeom prst="rect">
+              <a:avLst/>
+            </a:prstGeom>
+          </p:spPr>
+        </p:pic>
+        <mc:AlternateContent xmlns:mc="http://schemas.openxmlformats.org/markup-compatibility/2006">
+          <mc:Choice xmlns:a14="http://schemas.microsoft.com/office/drawing/2010/main" Requires="a14">
+            <p:sp>
+              <p:nvSpPr>
+                <p:cNvPr id="22" name="TextBox 21">
+                  <a:extLst>
+                    <a:ext uri="{FF2B5EF4-FFF2-40B4-BE49-F238E27FC236}">
+                      <a16:creationId xmlns:a16="http://schemas.microsoft.com/office/drawing/2014/main" id="{2A3D99DD-3F52-98E1-ACDB-F42A805F3895}"/>
+                    </a:ext>
+                  </a:extLst>
+                </p:cNvPr>
+                <p:cNvSpPr txBox="1"/>
+                <p:nvPr/>
+              </p:nvSpPr>
+              <p:spPr>
+                <a:xfrm>
+                  <a:off x="3576963" y="3855289"/>
+                  <a:ext cx="1334671" cy="307777"/>
+                </a:xfrm>
+                <a:prstGeom prst="rect">
+                  <a:avLst/>
+                </a:prstGeom>
+                <a:solidFill>
+                  <a:schemeClr val="bg1"/>
+                </a:solidFill>
+                <a:ln>
+                  <a:noFill/>
+                </a:ln>
+              </p:spPr>
+              <p:txBody>
+                <a:bodyPr wrap="square" rtlCol="0">
+                  <a:spAutoFit/>
+                </a:bodyPr>
+                <a:lstStyle/>
+                <a:p>
+                  <a:r>
+                    <a:rPr lang="en-US" sz="1400" dirty="0"/>
+                    <a:t>(1D) Additive </a:t>
+                  </a:r>
+                  <a14:m>
+                    <m:oMath xmlns:m="http://schemas.openxmlformats.org/officeDocument/2006/math">
+                      <m:r>
+                        <a:rPr lang="en-US" sz="1400" b="0" i="1" smtClean="0">
+                          <a:latin typeface="Cambria Math" panose="02040503050406030204" pitchFamily="18" charset="0"/>
+                        </a:rPr>
+                        <m:t>𝑓</m:t>
+                      </m:r>
+                    </m:oMath>
+                  </a14:m>
+                  <a:endParaRPr lang="en-US" sz="1400" dirty="0"/>
+                </a:p>
+              </p:txBody>
+            </p:sp>
+          </mc:Choice>
+          <mc:Fallback>
+            <p:sp>
+              <p:nvSpPr>
+                <p:cNvPr id="22" name="TextBox 21">
+                  <a:extLst>
+                    <a:ext uri="{FF2B5EF4-FFF2-40B4-BE49-F238E27FC236}">
+                      <a16:creationId xmlns:a16="http://schemas.microsoft.com/office/drawing/2014/main" id="{2A3D99DD-3F52-98E1-ACDB-F42A805F3895}"/>
+                    </a:ext>
+                  </a:extLst>
+                </p:cNvPr>
+                <p:cNvSpPr txBox="1">
+                  <a:spLocks noRot="1" noChangeAspect="1" noMove="1" noResize="1" noEditPoints="1" noAdjustHandles="1" noChangeArrowheads="1" noChangeShapeType="1" noTextEdit="1"/>
+                </p:cNvSpPr>
+                <p:nvPr/>
+              </p:nvSpPr>
+              <p:spPr>
+                <a:xfrm>
+                  <a:off x="3576963" y="3855289"/>
+                  <a:ext cx="1334671" cy="307777"/>
+                </a:xfrm>
+                <a:prstGeom prst="rect">
+                  <a:avLst/>
+                </a:prstGeom>
+                <a:blipFill>
+                  <a:blip r:embed="rId12"/>
+                  <a:stretch>
+                    <a:fillRect l="-943" t="-4000" b="-24000"/>
+                  </a:stretch>
+                </a:blipFill>
+                <a:ln>
+                  <a:noFill/>
+                </a:ln>
+              </p:spPr>
+              <p:txBody>
+                <a:bodyPr/>
+                <a:lstStyle/>
+                <a:p>
+                  <a:r>
+                    <a:rPr lang="en-US">
+                      <a:noFill/>
+                    </a:rPr>
+                    <a:t> </a:t>
+                  </a:r>
+                </a:p>
+              </p:txBody>
+            </p:sp>
+          </mc:Fallback>
+        </mc:AlternateContent>
+        <mc:AlternateContent xmlns:mc="http://schemas.openxmlformats.org/markup-compatibility/2006">
+          <mc:Choice xmlns:a14="http://schemas.microsoft.com/office/drawing/2010/main" Requires="a14">
+            <p:sp>
+              <p:nvSpPr>
+                <p:cNvPr id="23" name="TextBox 22">
+                  <a:extLst>
+                    <a:ext uri="{FF2B5EF4-FFF2-40B4-BE49-F238E27FC236}">
+                      <a16:creationId xmlns:a16="http://schemas.microsoft.com/office/drawing/2014/main" id="{9394BC1A-DCC3-392E-3AFA-B1CBBCE90767}"/>
+                    </a:ext>
+                  </a:extLst>
+                </p:cNvPr>
+                <p:cNvSpPr txBox="1"/>
+                <p:nvPr/>
+              </p:nvSpPr>
+              <p:spPr>
+                <a:xfrm>
+                  <a:off x="3575570" y="2462278"/>
+                  <a:ext cx="1994187" cy="307777"/>
+                </a:xfrm>
+                <a:prstGeom prst="rect">
+                  <a:avLst/>
+                </a:prstGeom>
+                <a:solidFill>
+                  <a:schemeClr val="bg1"/>
+                </a:solidFill>
+                <a:ln>
+                  <a:noFill/>
+                </a:ln>
+              </p:spPr>
+              <p:txBody>
+                <a:bodyPr wrap="square" rtlCol="0">
+                  <a:spAutoFit/>
+                </a:bodyPr>
+                <a:lstStyle/>
+                <a:p>
+                  <a:r>
+                    <a:rPr lang="en-US" sz="1400" dirty="0"/>
+                    <a:t>(1C) Resource-only </a:t>
+                  </a:r>
+                  <a14:m>
+                    <m:oMath xmlns:m="http://schemas.openxmlformats.org/officeDocument/2006/math">
+                      <m:r>
+                        <a:rPr lang="en-US" sz="1400" b="0" i="1" smtClean="0">
+                          <a:latin typeface="Cambria Math" panose="02040503050406030204" pitchFamily="18" charset="0"/>
+                        </a:rPr>
+                        <m:t>𝑓</m:t>
+                      </m:r>
+                    </m:oMath>
+                  </a14:m>
+                  <a:endParaRPr lang="en-US" sz="1400" dirty="0"/>
+                </a:p>
+              </p:txBody>
+            </p:sp>
+          </mc:Choice>
+          <mc:Fallback>
+            <p:sp>
+              <p:nvSpPr>
+                <p:cNvPr id="23" name="TextBox 22">
+                  <a:extLst>
+                    <a:ext uri="{FF2B5EF4-FFF2-40B4-BE49-F238E27FC236}">
+                      <a16:creationId xmlns:a16="http://schemas.microsoft.com/office/drawing/2014/main" id="{9394BC1A-DCC3-392E-3AFA-B1CBBCE90767}"/>
+                    </a:ext>
+                  </a:extLst>
+                </p:cNvPr>
+                <p:cNvSpPr txBox="1">
+                  <a:spLocks noRot="1" noChangeAspect="1" noMove="1" noResize="1" noEditPoints="1" noAdjustHandles="1" noChangeArrowheads="1" noChangeShapeType="1" noTextEdit="1"/>
+                </p:cNvSpPr>
+                <p:nvPr/>
+              </p:nvSpPr>
+              <p:spPr>
+                <a:xfrm>
+                  <a:off x="3575570" y="2462278"/>
+                  <a:ext cx="1994187" cy="307777"/>
+                </a:xfrm>
+                <a:prstGeom prst="rect">
+                  <a:avLst/>
+                </a:prstGeom>
+                <a:blipFill>
+                  <a:blip r:embed="rId13"/>
+                  <a:stretch>
+                    <a:fillRect l="-1266" t="-4000" b="-24000"/>
+                  </a:stretch>
+                </a:blipFill>
+                <a:ln>
+                  <a:noFill/>
+                </a:ln>
+              </p:spPr>
+              <p:txBody>
+                <a:bodyPr/>
+                <a:lstStyle/>
+                <a:p>
+                  <a:r>
+                    <a:rPr lang="en-US">
+                      <a:noFill/>
+                    </a:rPr>
+                    <a:t> </a:t>
+                  </a:r>
+                </a:p>
+              </p:txBody>
+            </p:sp>
+          </mc:Fallback>
+        </mc:AlternateContent>
+        <mc:AlternateContent xmlns:mc="http://schemas.openxmlformats.org/markup-compatibility/2006">
+          <mc:Choice xmlns:a14="http://schemas.microsoft.com/office/drawing/2010/main" Requires="a14">
+            <p:sp>
+              <p:nvSpPr>
+                <p:cNvPr id="24" name="TextBox 23">
+                  <a:extLst>
+                    <a:ext uri="{FF2B5EF4-FFF2-40B4-BE49-F238E27FC236}">
+                      <a16:creationId xmlns:a16="http://schemas.microsoft.com/office/drawing/2014/main" id="{36696E7D-682B-76BE-1D9A-86B97DD7191B}"/>
+                    </a:ext>
+                  </a:extLst>
+                </p:cNvPr>
+                <p:cNvSpPr txBox="1"/>
+                <p:nvPr/>
+              </p:nvSpPr>
+              <p:spPr>
+                <a:xfrm>
+                  <a:off x="3575570" y="1084888"/>
+                  <a:ext cx="2156196" cy="307777"/>
+                </a:xfrm>
+                <a:prstGeom prst="rect">
+                  <a:avLst/>
+                </a:prstGeom>
+                <a:solidFill>
+                  <a:schemeClr val="bg1"/>
+                </a:solidFill>
+                <a:ln>
+                  <a:noFill/>
+                </a:ln>
+              </p:spPr>
+              <p:txBody>
+                <a:bodyPr wrap="square" rtlCol="0">
+                  <a:spAutoFit/>
+                </a:bodyPr>
+                <a:lstStyle/>
+                <a:p>
+                  <a:r>
+                    <a:rPr lang="en-US" sz="1400" dirty="0"/>
+                    <a:t>(1B) Temperature-only </a:t>
+                  </a:r>
+                  <a14:m>
+                    <m:oMath xmlns:m="http://schemas.openxmlformats.org/officeDocument/2006/math">
+                      <m:r>
+                        <a:rPr lang="en-US" sz="1400" b="0" i="1" smtClean="0">
+                          <a:latin typeface="Cambria Math" panose="02040503050406030204" pitchFamily="18" charset="0"/>
+                        </a:rPr>
+                        <m:t>𝑓</m:t>
+                      </m:r>
+                    </m:oMath>
+                  </a14:m>
+                  <a:endParaRPr lang="en-US" sz="1400" dirty="0"/>
+                </a:p>
+              </p:txBody>
+            </p:sp>
+          </mc:Choice>
+          <mc:Fallback>
+            <p:sp>
+              <p:nvSpPr>
+                <p:cNvPr id="24" name="TextBox 23">
+                  <a:extLst>
+                    <a:ext uri="{FF2B5EF4-FFF2-40B4-BE49-F238E27FC236}">
+                      <a16:creationId xmlns:a16="http://schemas.microsoft.com/office/drawing/2014/main" id="{36696E7D-682B-76BE-1D9A-86B97DD7191B}"/>
+                    </a:ext>
+                  </a:extLst>
+                </p:cNvPr>
+                <p:cNvSpPr txBox="1">
+                  <a:spLocks noRot="1" noChangeAspect="1" noMove="1" noResize="1" noEditPoints="1" noAdjustHandles="1" noChangeArrowheads="1" noChangeShapeType="1" noTextEdit="1"/>
+                </p:cNvSpPr>
+                <p:nvPr/>
+              </p:nvSpPr>
+              <p:spPr>
+                <a:xfrm>
+                  <a:off x="3575570" y="1084888"/>
+                  <a:ext cx="2156196" cy="307777"/>
+                </a:xfrm>
+                <a:prstGeom prst="rect">
+                  <a:avLst/>
+                </a:prstGeom>
+                <a:blipFill>
+                  <a:blip r:embed="rId14"/>
+                  <a:stretch>
+                    <a:fillRect l="-1170" t="-4000" b="-20000"/>
+                  </a:stretch>
+                </a:blipFill>
+                <a:ln>
+                  <a:noFill/>
+                </a:ln>
+              </p:spPr>
+              <p:txBody>
+                <a:bodyPr/>
+                <a:lstStyle/>
+                <a:p>
+                  <a:r>
+                    <a:rPr lang="en-US">
+                      <a:noFill/>
+                    </a:rPr>
+                    <a:t> </a:t>
+                  </a:r>
+                </a:p>
+              </p:txBody>
+            </p:sp>
+          </mc:Fallback>
+        </mc:AlternateContent>
+        <mc:AlternateContent xmlns:mc="http://schemas.openxmlformats.org/markup-compatibility/2006">
+          <mc:Choice xmlns:a14="http://schemas.microsoft.com/office/drawing/2010/main" Requires="a14">
+            <p:sp>
+              <p:nvSpPr>
+                <p:cNvPr id="25" name="TextBox 24">
+                  <a:extLst>
+                    <a:ext uri="{FF2B5EF4-FFF2-40B4-BE49-F238E27FC236}">
+                      <a16:creationId xmlns:a16="http://schemas.microsoft.com/office/drawing/2014/main" id="{DAC8DE54-0893-8E76-B9AD-104671DC947D}"/>
+                    </a:ext>
+                  </a:extLst>
+                </p:cNvPr>
+                <p:cNvSpPr txBox="1"/>
+                <p:nvPr/>
+              </p:nvSpPr>
+              <p:spPr>
+                <a:xfrm>
+                  <a:off x="3593205" y="5196171"/>
+                  <a:ext cx="1511666" cy="307777"/>
+                </a:xfrm>
+                <a:prstGeom prst="rect">
+                  <a:avLst/>
+                </a:prstGeom>
+                <a:solidFill>
+                  <a:schemeClr val="bg1"/>
+                </a:solidFill>
+                <a:ln>
+                  <a:noFill/>
+                </a:ln>
+              </p:spPr>
+              <p:txBody>
+                <a:bodyPr wrap="square" rtlCol="0">
+                  <a:spAutoFit/>
+                </a:bodyPr>
+                <a:lstStyle/>
+                <a:p>
+                  <a:r>
+                    <a:rPr lang="en-US" sz="1400" dirty="0"/>
+                    <a:t>(1E) Interactive </a:t>
+                  </a:r>
+                  <a14:m>
+                    <m:oMath xmlns:m="http://schemas.openxmlformats.org/officeDocument/2006/math">
+                      <m:r>
+                        <a:rPr lang="en-US" sz="1400" b="0" i="1" smtClean="0">
+                          <a:latin typeface="Cambria Math" panose="02040503050406030204" pitchFamily="18" charset="0"/>
+                        </a:rPr>
+                        <m:t>𝑓</m:t>
+                      </m:r>
+                    </m:oMath>
+                  </a14:m>
+                  <a:endParaRPr lang="en-US" sz="1400" dirty="0"/>
+                </a:p>
+              </p:txBody>
+            </p:sp>
+          </mc:Choice>
+          <mc:Fallback>
+            <p:sp>
+              <p:nvSpPr>
+                <p:cNvPr id="25" name="TextBox 24">
+                  <a:extLst>
+                    <a:ext uri="{FF2B5EF4-FFF2-40B4-BE49-F238E27FC236}">
+                      <a16:creationId xmlns:a16="http://schemas.microsoft.com/office/drawing/2014/main" id="{DAC8DE54-0893-8E76-B9AD-104671DC947D}"/>
+                    </a:ext>
+                  </a:extLst>
+                </p:cNvPr>
+                <p:cNvSpPr txBox="1">
+                  <a:spLocks noRot="1" noChangeAspect="1" noMove="1" noResize="1" noEditPoints="1" noAdjustHandles="1" noChangeArrowheads="1" noChangeShapeType="1" noTextEdit="1"/>
+                </p:cNvSpPr>
+                <p:nvPr/>
+              </p:nvSpPr>
+              <p:spPr>
+                <a:xfrm>
+                  <a:off x="3593205" y="5196171"/>
+                  <a:ext cx="1511666" cy="307777"/>
+                </a:xfrm>
+                <a:prstGeom prst="rect">
+                  <a:avLst/>
+                </a:prstGeom>
+                <a:blipFill>
+                  <a:blip r:embed="rId15"/>
+                  <a:stretch>
+                    <a:fillRect l="-833" b="-19231"/>
+                  </a:stretch>
+                </a:blipFill>
+                <a:ln>
+                  <a:noFill/>
+                </a:ln>
+              </p:spPr>
+              <p:txBody>
+                <a:bodyPr/>
+                <a:lstStyle/>
+                <a:p>
+                  <a:r>
+                    <a:rPr lang="en-US">
+                      <a:noFill/>
+                    </a:rPr>
+                    <a:t> </a:t>
+                  </a:r>
+                </a:p>
+              </p:txBody>
+            </p:sp>
+          </mc:Fallback>
+        </mc:AlternateContent>
+        <mc:AlternateContent xmlns:mc="http://schemas.openxmlformats.org/markup-compatibility/2006">
+          <mc:Choice xmlns:a14="http://schemas.microsoft.com/office/drawing/2010/main" Requires="a14">
+            <p:sp>
+              <p:nvSpPr>
+                <p:cNvPr id="26" name="TextBox 25">
+                  <a:extLst>
+                    <a:ext uri="{FF2B5EF4-FFF2-40B4-BE49-F238E27FC236}">
+                      <a16:creationId xmlns:a16="http://schemas.microsoft.com/office/drawing/2014/main" id="{AAB21580-F2B7-2CD2-1411-DDCD79C107EA}"/>
+                    </a:ext>
+                  </a:extLst>
+                </p:cNvPr>
+                <p:cNvSpPr txBox="1"/>
+                <p:nvPr/>
+              </p:nvSpPr>
+              <p:spPr>
+                <a:xfrm>
+                  <a:off x="3597836" y="-211468"/>
+                  <a:ext cx="1393984" cy="307777"/>
+                </a:xfrm>
+                <a:prstGeom prst="rect">
+                  <a:avLst/>
+                </a:prstGeom>
+                <a:solidFill>
+                  <a:schemeClr val="bg1"/>
+                </a:solidFill>
+                <a:ln>
+                  <a:noFill/>
+                </a:ln>
+              </p:spPr>
+              <p:txBody>
+                <a:bodyPr wrap="square" rtlCol="0">
+                  <a:spAutoFit/>
+                </a:bodyPr>
+                <a:lstStyle/>
+                <a:p>
+                  <a:r>
+                    <a:rPr lang="en-US" sz="1400" dirty="0"/>
+                    <a:t>(1A) Size-only </a:t>
+                  </a:r>
+                  <a14:m>
+                    <m:oMath xmlns:m="http://schemas.openxmlformats.org/officeDocument/2006/math">
+                      <m:r>
+                        <a:rPr lang="en-US" sz="1400" b="0" i="1" smtClean="0">
+                          <a:latin typeface="Cambria Math" panose="02040503050406030204" pitchFamily="18" charset="0"/>
+                        </a:rPr>
+                        <m:t>𝑓</m:t>
+                      </m:r>
+                    </m:oMath>
+                  </a14:m>
+                  <a:endParaRPr lang="en-US" sz="1400" b="0" dirty="0"/>
+                </a:p>
+              </p:txBody>
+            </p:sp>
+          </mc:Choice>
+          <mc:Fallback>
+            <p:sp>
+              <p:nvSpPr>
+                <p:cNvPr id="26" name="TextBox 25">
+                  <a:extLst>
+                    <a:ext uri="{FF2B5EF4-FFF2-40B4-BE49-F238E27FC236}">
+                      <a16:creationId xmlns:a16="http://schemas.microsoft.com/office/drawing/2014/main" id="{AAB21580-F2B7-2CD2-1411-DDCD79C107EA}"/>
+                    </a:ext>
+                  </a:extLst>
+                </p:cNvPr>
+                <p:cNvSpPr txBox="1">
+                  <a:spLocks noRot="1" noChangeAspect="1" noMove="1" noResize="1" noEditPoints="1" noAdjustHandles="1" noChangeArrowheads="1" noChangeShapeType="1" noTextEdit="1"/>
+                </p:cNvSpPr>
+                <p:nvPr/>
+              </p:nvSpPr>
+              <p:spPr>
+                <a:xfrm>
+                  <a:off x="3597836" y="-211468"/>
+                  <a:ext cx="1393984" cy="307777"/>
+                </a:xfrm>
+                <a:prstGeom prst="rect">
+                  <a:avLst/>
+                </a:prstGeom>
+                <a:blipFill>
+                  <a:blip r:embed="rId16"/>
+                  <a:stretch>
+                    <a:fillRect l="-1802" t="-4000" b="-20000"/>
+                  </a:stretch>
+                </a:blipFill>
+                <a:ln>
+                  <a:noFill/>
+                </a:ln>
+              </p:spPr>
+              <p:txBody>
+                <a:bodyPr/>
+                <a:lstStyle/>
+                <a:p>
+                  <a:r>
+                    <a:rPr lang="en-US">
+                      <a:noFill/>
+                    </a:rPr>
+                    <a:t> </a:t>
+                  </a:r>
+                </a:p>
+              </p:txBody>
+            </p:sp>
+          </mc:Fallback>
+        </mc:AlternateContent>
+        <p:sp>
+          <p:nvSpPr>
+            <p:cNvPr id="27" name="TextBox 26">
+              <a:extLst>
+                <a:ext uri="{FF2B5EF4-FFF2-40B4-BE49-F238E27FC236}">
+                  <a16:creationId xmlns:a16="http://schemas.microsoft.com/office/drawing/2014/main" id="{FD9518AF-174D-B548-82AB-743BCAA9014B}"/>
+                </a:ext>
+              </a:extLst>
+            </p:cNvPr>
+            <p:cNvSpPr txBox="1"/>
+            <p:nvPr/>
+          </p:nvSpPr>
+          <p:spPr>
+            <a:xfrm rot="16200000">
+              <a:off x="8216" y="3587780"/>
+              <a:ext cx="2705210" cy="307777"/>
+            </a:xfrm>
+            <a:prstGeom prst="rect">
+              <a:avLst/>
+            </a:prstGeom>
+            <a:noFill/>
+          </p:spPr>
+          <p:txBody>
+            <a:bodyPr wrap="square" rtlCol="0">
+              <a:spAutoFit/>
+            </a:bodyPr>
+            <a:lstStyle/>
+            <a:p>
+              <a:r>
+                <a:rPr lang="en-US" sz="1400" dirty="0"/>
+                <a:t>Resources consumed (</a:t>
+              </a:r>
+              <a:r>
+                <a:rPr lang="en-US" sz="1400" dirty="0" err="1"/>
+                <a:t>mgC</a:t>
+              </a:r>
+              <a:r>
+                <a:rPr lang="en-US" sz="1400" dirty="0"/>
+                <a:t>/L)</a:t>
+              </a:r>
+            </a:p>
+          </p:txBody>
+        </p:sp>
+        <p:sp>
+          <p:nvSpPr>
+            <p:cNvPr id="33" name="TextBox 32">
+              <a:extLst>
+                <a:ext uri="{FF2B5EF4-FFF2-40B4-BE49-F238E27FC236}">
+                  <a16:creationId xmlns:a16="http://schemas.microsoft.com/office/drawing/2014/main" id="{CAD2D3F8-376C-80D2-126C-FF02BE0814D4}"/>
+                </a:ext>
+              </a:extLst>
+            </p:cNvPr>
+            <p:cNvSpPr txBox="1"/>
+            <p:nvPr/>
+          </p:nvSpPr>
+          <p:spPr>
+            <a:xfrm rot="16200000">
+              <a:off x="2039196" y="3601472"/>
+              <a:ext cx="2440954" cy="307777"/>
+            </a:xfrm>
+            <a:prstGeom prst="rect">
+              <a:avLst/>
+            </a:prstGeom>
+            <a:noFill/>
+          </p:spPr>
+          <p:txBody>
+            <a:bodyPr wrap="square" rtlCol="0">
+              <a:spAutoFit/>
+            </a:bodyPr>
+            <a:lstStyle/>
+            <a:p>
+              <a:r>
+                <a:rPr lang="en-US" sz="1400" dirty="0"/>
+                <a:t>Clearance Rate (mL/day)</a:t>
+              </a:r>
+            </a:p>
+          </p:txBody>
+        </p:sp>
+        <p:pic>
+          <p:nvPicPr>
+            <p:cNvPr id="34" name="Picture 33">
+              <a:extLst>
+                <a:ext uri="{FF2B5EF4-FFF2-40B4-BE49-F238E27FC236}">
+                  <a16:creationId xmlns:a16="http://schemas.microsoft.com/office/drawing/2014/main" id="{7C208B3E-B4BF-26F0-ABFC-0500C8AB344A}"/>
+                </a:ext>
+              </a:extLst>
+            </p:cNvPr>
+            <p:cNvPicPr>
+              <a:picLocks noChangeAspect="1"/>
+            </p:cNvPicPr>
+            <p:nvPr/>
+          </p:nvPicPr>
+          <p:blipFill rotWithShape="1">
+            <a:blip r:embed="rId17"/>
+            <a:srcRect l="77315" t="32407" b="34178"/>
+            <a:stretch/>
+          </p:blipFill>
+          <p:spPr>
+            <a:xfrm>
+              <a:off x="5115097" y="3884532"/>
+              <a:ext cx="939448" cy="1383811"/>
+            </a:xfrm>
+            <a:prstGeom prst="rect">
+              <a:avLst/>
+            </a:prstGeom>
+          </p:spPr>
+        </p:pic>
+        <p:sp>
+          <p:nvSpPr>
+            <p:cNvPr id="35" name="TextBox 34">
+              <a:extLst>
+                <a:ext uri="{FF2B5EF4-FFF2-40B4-BE49-F238E27FC236}">
+                  <a16:creationId xmlns:a16="http://schemas.microsoft.com/office/drawing/2014/main" id="{ADFFD556-A790-B971-3DB5-D1643290C74C}"/>
+                </a:ext>
+              </a:extLst>
+            </p:cNvPr>
+            <p:cNvSpPr txBox="1"/>
+            <p:nvPr/>
+          </p:nvSpPr>
+          <p:spPr>
+            <a:xfrm>
+              <a:off x="5073642" y="3551358"/>
+              <a:ext cx="1022358" cy="307777"/>
+            </a:xfrm>
+            <a:prstGeom prst="rect">
+              <a:avLst/>
+            </a:prstGeom>
+            <a:solidFill>
+              <a:schemeClr val="bg1"/>
+            </a:solidFill>
+          </p:spPr>
+          <p:txBody>
+            <a:bodyPr wrap="square" rtlCol="0">
+              <a:spAutoFit/>
+            </a:bodyPr>
+            <a:lstStyle/>
+            <a:p>
+              <a:pPr algn="ctr"/>
+              <a:r>
+                <a:rPr lang="en-US" sz="1400" dirty="0"/>
+                <a:t>Temp. (C)</a:t>
+              </a:r>
+            </a:p>
+          </p:txBody>
+        </p:sp>
+        <p:sp>
+          <p:nvSpPr>
+            <p:cNvPr id="76" name="TextBox 75">
+              <a:extLst>
+                <a:ext uri="{FF2B5EF4-FFF2-40B4-BE49-F238E27FC236}">
+                  <a16:creationId xmlns:a16="http://schemas.microsoft.com/office/drawing/2014/main" id="{14E752D3-C03A-6258-276D-9F8C151035C5}"/>
+                </a:ext>
+              </a:extLst>
+            </p:cNvPr>
+            <p:cNvSpPr txBox="1"/>
+            <p:nvPr/>
+          </p:nvSpPr>
+          <p:spPr>
+            <a:xfrm>
+              <a:off x="1797197" y="6654148"/>
+              <a:ext cx="3838023" cy="307777"/>
+            </a:xfrm>
+            <a:prstGeom prst="rect">
+              <a:avLst/>
+            </a:prstGeom>
+            <a:solidFill>
+              <a:schemeClr val="bg1"/>
+            </a:solidFill>
+          </p:spPr>
+          <p:txBody>
+            <a:bodyPr wrap="square" rtlCol="0">
+              <a:spAutoFit/>
+            </a:bodyPr>
+            <a:lstStyle/>
+            <a:p>
+              <a:r>
+                <a:rPr lang="en-US" sz="1400" dirty="0"/>
+                <a:t>Resource Concentration (</a:t>
+              </a:r>
+              <a:r>
+                <a:rPr lang="en-US" sz="1400" dirty="0" err="1"/>
+                <a:t>mgC</a:t>
+              </a:r>
+              <a:r>
+                <a:rPr lang="en-US" sz="1400" dirty="0"/>
+                <a:t>/L)</a:t>
+              </a:r>
+            </a:p>
+          </p:txBody>
+        </p:sp>
+      </p:grpSp>
     </p:spTree>
     <p:extLst>
       <p:ext uri="{BB962C8B-B14F-4D97-AF65-F5344CB8AC3E}">
@@ -5947,6 +6968,1473 @@
           <a:chExt cx="0" cy="0"/>
         </a:xfrm>
       </p:grpSpPr>
+      <p:grpSp>
+        <p:nvGrpSpPr>
+          <p:cNvPr id="77" name="Group 76">
+            <a:extLst>
+              <a:ext uri="{FF2B5EF4-FFF2-40B4-BE49-F238E27FC236}">
+                <a16:creationId xmlns:a16="http://schemas.microsoft.com/office/drawing/2014/main" id="{96476ADF-6B43-9746-5CAC-2899AA485DD1}"/>
+              </a:ext>
+            </a:extLst>
+          </p:cNvPr>
+          <p:cNvGrpSpPr/>
+          <p:nvPr/>
+        </p:nvGrpSpPr>
+        <p:grpSpPr>
+          <a:xfrm>
+            <a:off x="678624" y="-247586"/>
+            <a:ext cx="7500811" cy="7262431"/>
+            <a:chOff x="678624" y="-247586"/>
+            <a:chExt cx="7500811" cy="7262431"/>
+          </a:xfrm>
+        </p:grpSpPr>
+        <p:grpSp>
+          <p:nvGrpSpPr>
+            <p:cNvPr id="74" name="Group 73">
+              <a:extLst>
+                <a:ext uri="{FF2B5EF4-FFF2-40B4-BE49-F238E27FC236}">
+                  <a16:creationId xmlns:a16="http://schemas.microsoft.com/office/drawing/2014/main" id="{B0867AFD-8AEA-F75D-C12E-B8574A38E34A}"/>
+                </a:ext>
+              </a:extLst>
+            </p:cNvPr>
+            <p:cNvGrpSpPr/>
+            <p:nvPr/>
+          </p:nvGrpSpPr>
+          <p:grpSpPr>
+            <a:xfrm>
+              <a:off x="678624" y="-247586"/>
+              <a:ext cx="7274932" cy="7262431"/>
+              <a:chOff x="678624" y="-247586"/>
+              <a:chExt cx="7274932" cy="7262431"/>
+            </a:xfrm>
+          </p:grpSpPr>
+          <mc:AlternateContent xmlns:mc="http://schemas.openxmlformats.org/markup-compatibility/2006">
+            <mc:Choice xmlns:a14="http://schemas.microsoft.com/office/drawing/2010/main" Requires="a14">
+              <p:sp>
+                <p:nvSpPr>
+                  <p:cNvPr id="65" name="TextBox 64">
+                    <a:extLst>
+                      <a:ext uri="{FF2B5EF4-FFF2-40B4-BE49-F238E27FC236}">
+                        <a16:creationId xmlns:a16="http://schemas.microsoft.com/office/drawing/2014/main" id="{C9AA586F-5DFF-E66B-B483-5B3C45AC89BB}"/>
+                      </a:ext>
+                    </a:extLst>
+                  </p:cNvPr>
+                  <p:cNvSpPr txBox="1"/>
+                  <p:nvPr/>
+                </p:nvSpPr>
+                <p:spPr>
+                  <a:xfrm>
+                    <a:off x="1428423" y="3899689"/>
+                    <a:ext cx="4268745" cy="276999"/>
+                  </a:xfrm>
+                  <a:prstGeom prst="rect">
+                    <a:avLst/>
+                  </a:prstGeom>
+                  <a:solidFill>
+                    <a:schemeClr val="bg1"/>
+                  </a:solidFill>
+                  <a:ln>
+                    <a:noFill/>
+                  </a:ln>
+                </p:spPr>
+                <p:txBody>
+                  <a:bodyPr wrap="square" rtlCol="0">
+                    <a:spAutoFit/>
+                  </a:bodyPr>
+                  <a:lstStyle/>
+                  <a:p>
+                    <a:r>
+                      <a:rPr lang="en-US" sz="1200" dirty="0"/>
+                      <a:t>(2D) Interactive </a:t>
+                    </a:r>
+                    <a14:m>
+                      <m:oMath xmlns:m="http://schemas.openxmlformats.org/officeDocument/2006/math">
+                        <m:r>
+                          <a:rPr lang="en-US" sz="1200" i="1">
+                            <a:latin typeface="Cambria Math" panose="02040503050406030204" pitchFamily="18" charset="0"/>
+                          </a:rPr>
+                          <m:t>𝑓</m:t>
+                        </m:r>
+                        <m:r>
+                          <a:rPr lang="en-US" sz="1200" b="0" i="1" smtClean="0">
+                            <a:latin typeface="Cambria Math" panose="02040503050406030204" pitchFamily="18" charset="0"/>
+                          </a:rPr>
+                          <m:t> </m:t>
+                        </m:r>
+                        <m:r>
+                          <a:rPr lang="en-US" sz="1200" b="0" i="1" smtClean="0">
+                            <a:latin typeface="Cambria Math" panose="02040503050406030204" pitchFamily="18" charset="0"/>
+                          </a:rPr>
+                          <m:t>𝑥</m:t>
+                        </m:r>
+                        <m:r>
+                          <a:rPr lang="en-US" sz="1200" i="1">
+                            <a:latin typeface="Cambria Math" panose="02040503050406030204" pitchFamily="18" charset="0"/>
+                          </a:rPr>
+                          <m:t> </m:t>
+                        </m:r>
+                        <m:r>
+                          <a:rPr lang="en-US" sz="1200" b="0" i="0" smtClean="0">
+                            <a:latin typeface="Cambria Math" panose="02040503050406030204" pitchFamily="18" charset="0"/>
+                          </a:rPr>
+                          <m:t> </m:t>
+                        </m:r>
+                      </m:oMath>
+                    </a14:m>
+                    <a:r>
+                      <a:rPr lang="en-US" sz="1200" dirty="0"/>
+                      <a:t>Additive </a:t>
+                    </a:r>
+                    <a14:m>
+                      <m:oMath xmlns:m="http://schemas.openxmlformats.org/officeDocument/2006/math">
+                        <m:r>
+                          <a:rPr lang="en-US" sz="1200" b="0" i="1" smtClean="0">
+                            <a:latin typeface="Cambria Math" panose="02040503050406030204" pitchFamily="18" charset="0"/>
+                          </a:rPr>
+                          <m:t>𝑢</m:t>
+                        </m:r>
+                      </m:oMath>
+                    </a14:m>
+                    <a:endParaRPr lang="en-US" sz="1200" dirty="0"/>
+                  </a:p>
+                </p:txBody>
+              </p:sp>
+            </mc:Choice>
+            <mc:Fallback>
+              <p:sp>
+                <p:nvSpPr>
+                  <p:cNvPr id="65" name="TextBox 64">
+                    <a:extLst>
+                      <a:ext uri="{FF2B5EF4-FFF2-40B4-BE49-F238E27FC236}">
+                        <a16:creationId xmlns:a16="http://schemas.microsoft.com/office/drawing/2014/main" id="{C9AA586F-5DFF-E66B-B483-5B3C45AC89BB}"/>
+                      </a:ext>
+                    </a:extLst>
+                  </p:cNvPr>
+                  <p:cNvSpPr txBox="1">
+                    <a:spLocks noRot="1" noChangeAspect="1" noMove="1" noResize="1" noEditPoints="1" noAdjustHandles="1" noChangeArrowheads="1" noChangeShapeType="1" noTextEdit="1"/>
+                  </p:cNvSpPr>
+                  <p:nvPr/>
+                </p:nvSpPr>
+                <p:spPr>
+                  <a:xfrm>
+                    <a:off x="1428423" y="3899689"/>
+                    <a:ext cx="4268745" cy="276999"/>
+                  </a:xfrm>
+                  <a:prstGeom prst="rect">
+                    <a:avLst/>
+                  </a:prstGeom>
+                  <a:blipFill>
+                    <a:blip r:embed="rId2"/>
+                    <a:stretch>
+                      <a:fillRect t="-4545" b="-13636"/>
+                    </a:stretch>
+                  </a:blipFill>
+                  <a:ln>
+                    <a:noFill/>
+                  </a:ln>
+                </p:spPr>
+                <p:txBody>
+                  <a:bodyPr/>
+                  <a:lstStyle/>
+                  <a:p>
+                    <a:r>
+                      <a:rPr lang="en-US">
+                        <a:noFill/>
+                      </a:rPr>
+                      <a:t> </a:t>
+                    </a:r>
+                  </a:p>
+                </p:txBody>
+              </p:sp>
+            </mc:Fallback>
+          </mc:AlternateContent>
+          <mc:AlternateContent xmlns:mc="http://schemas.openxmlformats.org/markup-compatibility/2006">
+            <mc:Choice xmlns:a14="http://schemas.microsoft.com/office/drawing/2010/main" Requires="a14">
+              <p:sp>
+                <p:nvSpPr>
+                  <p:cNvPr id="66" name="TextBox 65">
+                    <a:extLst>
+                      <a:ext uri="{FF2B5EF4-FFF2-40B4-BE49-F238E27FC236}">
+                        <a16:creationId xmlns:a16="http://schemas.microsoft.com/office/drawing/2014/main" id="{1F485543-F394-25BD-8A31-96694ECBCF09}"/>
+                      </a:ext>
+                    </a:extLst>
+                  </p:cNvPr>
+                  <p:cNvSpPr txBox="1"/>
+                  <p:nvPr/>
+                </p:nvSpPr>
+                <p:spPr>
+                  <a:xfrm>
+                    <a:off x="1432172" y="2532113"/>
+                    <a:ext cx="4268745" cy="276999"/>
+                  </a:xfrm>
+                  <a:prstGeom prst="rect">
+                    <a:avLst/>
+                  </a:prstGeom>
+                  <a:solidFill>
+                    <a:schemeClr val="bg1"/>
+                  </a:solidFill>
+                  <a:ln>
+                    <a:noFill/>
+                  </a:ln>
+                </p:spPr>
+                <p:txBody>
+                  <a:bodyPr wrap="square" rtlCol="0">
+                    <a:spAutoFit/>
+                  </a:bodyPr>
+                  <a:lstStyle/>
+                  <a:p>
+                    <a:r>
+                      <a:rPr lang="en-US" sz="1200" dirty="0"/>
+                      <a:t>(2C) Interactive </a:t>
+                    </a:r>
+                    <a14:m>
+                      <m:oMath xmlns:m="http://schemas.openxmlformats.org/officeDocument/2006/math">
+                        <m:r>
+                          <a:rPr lang="en-US" sz="1200" i="1">
+                            <a:latin typeface="Cambria Math" panose="02040503050406030204" pitchFamily="18" charset="0"/>
+                          </a:rPr>
+                          <m:t>𝑓</m:t>
+                        </m:r>
+                        <m:r>
+                          <a:rPr lang="en-US" sz="1200" b="0" i="1" smtClean="0">
+                            <a:latin typeface="Cambria Math" panose="02040503050406030204" pitchFamily="18" charset="0"/>
+                          </a:rPr>
+                          <m:t> </m:t>
+                        </m:r>
+                        <m:r>
+                          <a:rPr lang="en-US" sz="1200" b="0" i="1" smtClean="0">
+                            <a:latin typeface="Cambria Math" panose="02040503050406030204" pitchFamily="18" charset="0"/>
+                          </a:rPr>
+                          <m:t>𝑥</m:t>
+                        </m:r>
+                        <m:r>
+                          <a:rPr lang="en-US" sz="1200" i="1">
+                            <a:latin typeface="Cambria Math" panose="02040503050406030204" pitchFamily="18" charset="0"/>
+                          </a:rPr>
+                          <m:t> </m:t>
+                        </m:r>
+                        <m:r>
+                          <a:rPr lang="en-US" sz="1200" b="0" i="0" smtClean="0">
+                            <a:latin typeface="Cambria Math" panose="02040503050406030204" pitchFamily="18" charset="0"/>
+                          </a:rPr>
+                          <m:t> </m:t>
+                        </m:r>
+                      </m:oMath>
+                    </a14:m>
+                    <a:r>
+                      <a:rPr lang="en-US" sz="1200" dirty="0"/>
+                      <a:t>Resource-only </a:t>
+                    </a:r>
+                    <a14:m>
+                      <m:oMath xmlns:m="http://schemas.openxmlformats.org/officeDocument/2006/math">
+                        <m:r>
+                          <a:rPr lang="en-US" sz="1200" b="0" i="1" smtClean="0">
+                            <a:latin typeface="Cambria Math" panose="02040503050406030204" pitchFamily="18" charset="0"/>
+                          </a:rPr>
+                          <m:t>𝑢</m:t>
+                        </m:r>
+                      </m:oMath>
+                    </a14:m>
+                    <a:endParaRPr lang="en-US" sz="1200" dirty="0"/>
+                  </a:p>
+                </p:txBody>
+              </p:sp>
+            </mc:Choice>
+            <mc:Fallback>
+              <p:sp>
+                <p:nvSpPr>
+                  <p:cNvPr id="66" name="TextBox 65">
+                    <a:extLst>
+                      <a:ext uri="{FF2B5EF4-FFF2-40B4-BE49-F238E27FC236}">
+                        <a16:creationId xmlns:a16="http://schemas.microsoft.com/office/drawing/2014/main" id="{1F485543-F394-25BD-8A31-96694ECBCF09}"/>
+                      </a:ext>
+                    </a:extLst>
+                  </p:cNvPr>
+                  <p:cNvSpPr txBox="1">
+                    <a:spLocks noRot="1" noChangeAspect="1" noMove="1" noResize="1" noEditPoints="1" noAdjustHandles="1" noChangeArrowheads="1" noChangeShapeType="1" noTextEdit="1"/>
+                  </p:cNvSpPr>
+                  <p:nvPr/>
+                </p:nvSpPr>
+                <p:spPr>
+                  <a:xfrm>
+                    <a:off x="1432172" y="2532113"/>
+                    <a:ext cx="4268745" cy="276999"/>
+                  </a:xfrm>
+                  <a:prstGeom prst="rect">
+                    <a:avLst/>
+                  </a:prstGeom>
+                  <a:blipFill>
+                    <a:blip r:embed="rId3"/>
+                    <a:stretch>
+                      <a:fillRect b="-13043"/>
+                    </a:stretch>
+                  </a:blipFill>
+                  <a:ln>
+                    <a:noFill/>
+                  </a:ln>
+                </p:spPr>
+                <p:txBody>
+                  <a:bodyPr/>
+                  <a:lstStyle/>
+                  <a:p>
+                    <a:r>
+                      <a:rPr lang="en-US">
+                        <a:noFill/>
+                      </a:rPr>
+                      <a:t> </a:t>
+                    </a:r>
+                  </a:p>
+                </p:txBody>
+              </p:sp>
+            </mc:Fallback>
+          </mc:AlternateContent>
+          <mc:AlternateContent xmlns:mc="http://schemas.openxmlformats.org/markup-compatibility/2006">
+            <mc:Choice xmlns:a14="http://schemas.microsoft.com/office/drawing/2010/main" Requires="a14">
+              <p:sp>
+                <p:nvSpPr>
+                  <p:cNvPr id="67" name="TextBox 66">
+                    <a:extLst>
+                      <a:ext uri="{FF2B5EF4-FFF2-40B4-BE49-F238E27FC236}">
+                        <a16:creationId xmlns:a16="http://schemas.microsoft.com/office/drawing/2014/main" id="{315BF74E-9E25-C328-87B8-C53D26CE6CF5}"/>
+                      </a:ext>
+                    </a:extLst>
+                  </p:cNvPr>
+                  <p:cNvSpPr txBox="1"/>
+                  <p:nvPr/>
+                </p:nvSpPr>
+                <p:spPr>
+                  <a:xfrm>
+                    <a:off x="1432173" y="1146854"/>
+                    <a:ext cx="4268745" cy="276999"/>
+                  </a:xfrm>
+                  <a:prstGeom prst="rect">
+                    <a:avLst/>
+                  </a:prstGeom>
+                  <a:solidFill>
+                    <a:schemeClr val="bg1"/>
+                  </a:solidFill>
+                  <a:ln>
+                    <a:noFill/>
+                  </a:ln>
+                </p:spPr>
+                <p:txBody>
+                  <a:bodyPr wrap="square" rtlCol="0">
+                    <a:spAutoFit/>
+                  </a:bodyPr>
+                  <a:lstStyle/>
+                  <a:p>
+                    <a:r>
+                      <a:rPr lang="en-US" sz="1200" dirty="0"/>
+                      <a:t>(2B) Interactive </a:t>
+                    </a:r>
+                    <a14:m>
+                      <m:oMath xmlns:m="http://schemas.openxmlformats.org/officeDocument/2006/math">
+                        <m:r>
+                          <a:rPr lang="en-US" sz="1200" b="0" i="1" smtClean="0">
+                            <a:latin typeface="Cambria Math" panose="02040503050406030204" pitchFamily="18" charset="0"/>
+                          </a:rPr>
+                          <m:t>𝑓</m:t>
+                        </m:r>
+                        <m:r>
+                          <a:rPr lang="en-US" sz="1200" b="0" i="1" smtClean="0">
+                            <a:latin typeface="Cambria Math" panose="02040503050406030204" pitchFamily="18" charset="0"/>
+                          </a:rPr>
+                          <m:t> </m:t>
+                        </m:r>
+                        <m:r>
+                          <a:rPr lang="en-US" sz="1200" b="0" i="1" smtClean="0">
+                            <a:latin typeface="Cambria Math" panose="02040503050406030204" pitchFamily="18" charset="0"/>
+                          </a:rPr>
+                          <m:t>𝑥</m:t>
+                        </m:r>
+                        <m:r>
+                          <a:rPr lang="en-US" sz="1200" b="0" i="0" smtClean="0">
+                            <a:latin typeface="Cambria Math" panose="02040503050406030204" pitchFamily="18" charset="0"/>
+                          </a:rPr>
+                          <m:t> </m:t>
+                        </m:r>
+                      </m:oMath>
+                    </a14:m>
+                    <a:r>
+                      <a:rPr lang="en-US" sz="1200" dirty="0"/>
+                      <a:t>Temperature-only </a:t>
+                    </a:r>
+                    <a14:m>
+                      <m:oMath xmlns:m="http://schemas.openxmlformats.org/officeDocument/2006/math">
+                        <m:r>
+                          <a:rPr lang="en-US" sz="1200" b="0" i="1" smtClean="0">
+                            <a:latin typeface="Cambria Math" panose="02040503050406030204" pitchFamily="18" charset="0"/>
+                          </a:rPr>
+                          <m:t>𝑢</m:t>
+                        </m:r>
+                      </m:oMath>
+                    </a14:m>
+                    <a:endParaRPr lang="en-US" sz="1200" dirty="0"/>
+                  </a:p>
+                </p:txBody>
+              </p:sp>
+            </mc:Choice>
+            <mc:Fallback>
+              <p:sp>
+                <p:nvSpPr>
+                  <p:cNvPr id="67" name="TextBox 66">
+                    <a:extLst>
+                      <a:ext uri="{FF2B5EF4-FFF2-40B4-BE49-F238E27FC236}">
+                        <a16:creationId xmlns:a16="http://schemas.microsoft.com/office/drawing/2014/main" id="{315BF74E-9E25-C328-87B8-C53D26CE6CF5}"/>
+                      </a:ext>
+                    </a:extLst>
+                  </p:cNvPr>
+                  <p:cNvSpPr txBox="1">
+                    <a:spLocks noRot="1" noChangeAspect="1" noMove="1" noResize="1" noEditPoints="1" noAdjustHandles="1" noChangeArrowheads="1" noChangeShapeType="1" noTextEdit="1"/>
+                  </p:cNvSpPr>
+                  <p:nvPr/>
+                </p:nvSpPr>
+                <p:spPr>
+                  <a:xfrm>
+                    <a:off x="1432173" y="1146854"/>
+                    <a:ext cx="4268745" cy="276999"/>
+                  </a:xfrm>
+                  <a:prstGeom prst="rect">
+                    <a:avLst/>
+                  </a:prstGeom>
+                  <a:blipFill>
+                    <a:blip r:embed="rId4"/>
+                    <a:stretch>
+                      <a:fillRect b="-13043"/>
+                    </a:stretch>
+                  </a:blipFill>
+                  <a:ln>
+                    <a:noFill/>
+                  </a:ln>
+                </p:spPr>
+                <p:txBody>
+                  <a:bodyPr/>
+                  <a:lstStyle/>
+                  <a:p>
+                    <a:r>
+                      <a:rPr lang="en-US">
+                        <a:noFill/>
+                      </a:rPr>
+                      <a:t> </a:t>
+                    </a:r>
+                  </a:p>
+                </p:txBody>
+              </p:sp>
+            </mc:Fallback>
+          </mc:AlternateContent>
+          <mc:AlternateContent xmlns:mc="http://schemas.openxmlformats.org/markup-compatibility/2006">
+            <mc:Choice xmlns:a14="http://schemas.microsoft.com/office/drawing/2010/main" Requires="a14">
+              <p:sp>
+                <p:nvSpPr>
+                  <p:cNvPr id="68" name="TextBox 67">
+                    <a:extLst>
+                      <a:ext uri="{FF2B5EF4-FFF2-40B4-BE49-F238E27FC236}">
+                        <a16:creationId xmlns:a16="http://schemas.microsoft.com/office/drawing/2014/main" id="{9A8BB222-D9E3-433D-8D34-E684748833BC}"/>
+                      </a:ext>
+                    </a:extLst>
+                  </p:cNvPr>
+                  <p:cNvSpPr txBox="1"/>
+                  <p:nvPr/>
+                </p:nvSpPr>
+                <p:spPr>
+                  <a:xfrm>
+                    <a:off x="1451454" y="5277041"/>
+                    <a:ext cx="4268745" cy="276999"/>
+                  </a:xfrm>
+                  <a:prstGeom prst="rect">
+                    <a:avLst/>
+                  </a:prstGeom>
+                  <a:solidFill>
+                    <a:schemeClr val="bg1"/>
+                  </a:solidFill>
+                  <a:ln>
+                    <a:noFill/>
+                  </a:ln>
+                </p:spPr>
+                <p:txBody>
+                  <a:bodyPr wrap="square" rtlCol="0">
+                    <a:spAutoFit/>
+                  </a:bodyPr>
+                  <a:lstStyle/>
+                  <a:p>
+                    <a:r>
+                      <a:rPr lang="en-US" sz="1200" dirty="0"/>
+                      <a:t>(2E) Interactive </a:t>
+                    </a:r>
+                    <a14:m>
+                      <m:oMath xmlns:m="http://schemas.openxmlformats.org/officeDocument/2006/math">
+                        <m:r>
+                          <a:rPr lang="en-US" sz="1200" i="1">
+                            <a:latin typeface="Cambria Math" panose="02040503050406030204" pitchFamily="18" charset="0"/>
+                          </a:rPr>
+                          <m:t>𝑓</m:t>
+                        </m:r>
+                        <m:r>
+                          <a:rPr lang="en-US" sz="1200" b="0" i="1" smtClean="0">
+                            <a:latin typeface="Cambria Math" panose="02040503050406030204" pitchFamily="18" charset="0"/>
+                          </a:rPr>
+                          <m:t> </m:t>
+                        </m:r>
+                        <m:r>
+                          <a:rPr lang="en-US" sz="1200" b="0" i="1" smtClean="0">
+                            <a:latin typeface="Cambria Math" panose="02040503050406030204" pitchFamily="18" charset="0"/>
+                          </a:rPr>
+                          <m:t>𝑥</m:t>
+                        </m:r>
+                        <m:r>
+                          <a:rPr lang="en-US" sz="1200" i="1">
+                            <a:latin typeface="Cambria Math" panose="02040503050406030204" pitchFamily="18" charset="0"/>
+                          </a:rPr>
+                          <m:t> </m:t>
+                        </m:r>
+                        <m:r>
+                          <a:rPr lang="en-US" sz="1200" b="0" i="0" smtClean="0">
+                            <a:latin typeface="Cambria Math" panose="02040503050406030204" pitchFamily="18" charset="0"/>
+                          </a:rPr>
+                          <m:t> </m:t>
+                        </m:r>
+                      </m:oMath>
+                    </a14:m>
+                    <a:r>
+                      <a:rPr lang="en-US" sz="1200" dirty="0"/>
+                      <a:t>Interactive </a:t>
+                    </a:r>
+                    <a14:m>
+                      <m:oMath xmlns:m="http://schemas.openxmlformats.org/officeDocument/2006/math">
+                        <m:r>
+                          <a:rPr lang="en-US" sz="1200" b="0" i="1" smtClean="0">
+                            <a:latin typeface="Cambria Math" panose="02040503050406030204" pitchFamily="18" charset="0"/>
+                          </a:rPr>
+                          <m:t>𝑢</m:t>
+                        </m:r>
+                      </m:oMath>
+                    </a14:m>
+                    <a:endParaRPr lang="en-US" sz="1200" dirty="0"/>
+                  </a:p>
+                </p:txBody>
+              </p:sp>
+            </mc:Choice>
+            <mc:Fallback>
+              <p:sp>
+                <p:nvSpPr>
+                  <p:cNvPr id="68" name="TextBox 67">
+                    <a:extLst>
+                      <a:ext uri="{FF2B5EF4-FFF2-40B4-BE49-F238E27FC236}">
+                        <a16:creationId xmlns:a16="http://schemas.microsoft.com/office/drawing/2014/main" id="{9A8BB222-D9E3-433D-8D34-E684748833BC}"/>
+                      </a:ext>
+                    </a:extLst>
+                  </p:cNvPr>
+                  <p:cNvSpPr txBox="1">
+                    <a:spLocks noRot="1" noChangeAspect="1" noMove="1" noResize="1" noEditPoints="1" noAdjustHandles="1" noChangeArrowheads="1" noChangeShapeType="1" noTextEdit="1"/>
+                  </p:cNvSpPr>
+                  <p:nvPr/>
+                </p:nvSpPr>
+                <p:spPr>
+                  <a:xfrm>
+                    <a:off x="1451454" y="5277041"/>
+                    <a:ext cx="4268745" cy="276999"/>
+                  </a:xfrm>
+                  <a:prstGeom prst="rect">
+                    <a:avLst/>
+                  </a:prstGeom>
+                  <a:blipFill>
+                    <a:blip r:embed="rId5"/>
+                    <a:stretch>
+                      <a:fillRect b="-13043"/>
+                    </a:stretch>
+                  </a:blipFill>
+                  <a:ln>
+                    <a:noFill/>
+                  </a:ln>
+                </p:spPr>
+                <p:txBody>
+                  <a:bodyPr/>
+                  <a:lstStyle/>
+                  <a:p>
+                    <a:r>
+                      <a:rPr lang="en-US">
+                        <a:noFill/>
+                      </a:rPr>
+                      <a:t> </a:t>
+                    </a:r>
+                  </a:p>
+                </p:txBody>
+              </p:sp>
+            </mc:Fallback>
+          </mc:AlternateContent>
+          <mc:AlternateContent xmlns:mc="http://schemas.openxmlformats.org/markup-compatibility/2006">
+            <mc:Choice xmlns:a14="http://schemas.microsoft.com/office/drawing/2010/main" Requires="a14">
+              <p:sp>
+                <p:nvSpPr>
+                  <p:cNvPr id="69" name="TextBox 68">
+                    <a:extLst>
+                      <a:ext uri="{FF2B5EF4-FFF2-40B4-BE49-F238E27FC236}">
+                        <a16:creationId xmlns:a16="http://schemas.microsoft.com/office/drawing/2014/main" id="{7BD5D01D-6098-C9CC-DC59-242424939C69}"/>
+                      </a:ext>
+                    </a:extLst>
+                  </p:cNvPr>
+                  <p:cNvSpPr txBox="1"/>
+                  <p:nvPr/>
+                </p:nvSpPr>
+                <p:spPr>
+                  <a:xfrm>
+                    <a:off x="1451454" y="-247586"/>
+                    <a:ext cx="4268745" cy="276999"/>
+                  </a:xfrm>
+                  <a:prstGeom prst="rect">
+                    <a:avLst/>
+                  </a:prstGeom>
+                  <a:solidFill>
+                    <a:schemeClr val="bg1"/>
+                  </a:solidFill>
+                  <a:ln>
+                    <a:noFill/>
+                  </a:ln>
+                </p:spPr>
+                <p:txBody>
+                  <a:bodyPr wrap="square" rtlCol="0">
+                    <a:spAutoFit/>
+                  </a:bodyPr>
+                  <a:lstStyle/>
+                  <a:p>
+                    <a:r>
+                      <a:rPr lang="en-US" sz="1200" dirty="0"/>
+                      <a:t>(2A) Interactive </a:t>
+                    </a:r>
+                    <a14:m>
+                      <m:oMath xmlns:m="http://schemas.openxmlformats.org/officeDocument/2006/math">
+                        <m:r>
+                          <a:rPr lang="en-US" sz="1200" b="0" i="1" smtClean="0">
+                            <a:latin typeface="Cambria Math" panose="02040503050406030204" pitchFamily="18" charset="0"/>
+                          </a:rPr>
+                          <m:t>𝑓</m:t>
+                        </m:r>
+                        <m:r>
+                          <a:rPr lang="en-US" sz="1200" b="0" i="1" smtClean="0">
+                            <a:latin typeface="Cambria Math" panose="02040503050406030204" pitchFamily="18" charset="0"/>
+                          </a:rPr>
+                          <m:t> </m:t>
+                        </m:r>
+                        <m:r>
+                          <a:rPr lang="en-US" sz="1200" b="0" i="1" smtClean="0">
+                            <a:latin typeface="Cambria Math" panose="02040503050406030204" pitchFamily="18" charset="0"/>
+                          </a:rPr>
+                          <m:t>𝑥</m:t>
+                        </m:r>
+                        <m:r>
+                          <a:rPr lang="en-US" sz="1200" b="0" i="0" smtClean="0">
+                            <a:latin typeface="Cambria Math" panose="02040503050406030204" pitchFamily="18" charset="0"/>
+                          </a:rPr>
+                          <m:t> </m:t>
+                        </m:r>
+                      </m:oMath>
+                    </a14:m>
+                    <a:r>
+                      <a:rPr lang="en-US" sz="1200" dirty="0"/>
+                      <a:t>Size-only </a:t>
+                    </a:r>
+                    <a14:m>
+                      <m:oMath xmlns:m="http://schemas.openxmlformats.org/officeDocument/2006/math">
+                        <m:r>
+                          <a:rPr lang="en-US" sz="1200" b="0" i="1" smtClean="0">
+                            <a:latin typeface="Cambria Math" panose="02040503050406030204" pitchFamily="18" charset="0"/>
+                          </a:rPr>
+                          <m:t>𝑢</m:t>
+                        </m:r>
+                      </m:oMath>
+                    </a14:m>
+                    <a:endParaRPr lang="en-US" sz="1200" b="0" dirty="0"/>
+                  </a:p>
+                </p:txBody>
+              </p:sp>
+            </mc:Choice>
+            <mc:Fallback>
+              <p:sp>
+                <p:nvSpPr>
+                  <p:cNvPr id="69" name="TextBox 68">
+                    <a:extLst>
+                      <a:ext uri="{FF2B5EF4-FFF2-40B4-BE49-F238E27FC236}">
+                        <a16:creationId xmlns:a16="http://schemas.microsoft.com/office/drawing/2014/main" id="{7BD5D01D-6098-C9CC-DC59-242424939C69}"/>
+                      </a:ext>
+                    </a:extLst>
+                  </p:cNvPr>
+                  <p:cNvSpPr txBox="1">
+                    <a:spLocks noRot="1" noChangeAspect="1" noMove="1" noResize="1" noEditPoints="1" noAdjustHandles="1" noChangeArrowheads="1" noChangeShapeType="1" noTextEdit="1"/>
+                  </p:cNvSpPr>
+                  <p:nvPr/>
+                </p:nvSpPr>
+                <p:spPr>
+                  <a:xfrm>
+                    <a:off x="1451454" y="-247586"/>
+                    <a:ext cx="4268745" cy="276999"/>
+                  </a:xfrm>
+                  <a:prstGeom prst="rect">
+                    <a:avLst/>
+                  </a:prstGeom>
+                  <a:blipFill>
+                    <a:blip r:embed="rId6"/>
+                    <a:stretch>
+                      <a:fillRect b="-13043"/>
+                    </a:stretch>
+                  </a:blipFill>
+                  <a:ln>
+                    <a:noFill/>
+                  </a:ln>
+                </p:spPr>
+                <p:txBody>
+                  <a:bodyPr/>
+                  <a:lstStyle/>
+                  <a:p>
+                    <a:r>
+                      <a:rPr lang="en-US">
+                        <a:noFill/>
+                      </a:rPr>
+                      <a:t> </a:t>
+                    </a:r>
+                  </a:p>
+                </p:txBody>
+              </p:sp>
+            </mc:Fallback>
+          </mc:AlternateContent>
+          <p:grpSp>
+            <p:nvGrpSpPr>
+              <p:cNvPr id="64" name="Group 63">
+                <a:extLst>
+                  <a:ext uri="{FF2B5EF4-FFF2-40B4-BE49-F238E27FC236}">
+                    <a16:creationId xmlns:a16="http://schemas.microsoft.com/office/drawing/2014/main" id="{58383FBD-578D-6FE8-0515-D43D42A8F4AF}"/>
+                  </a:ext>
+                </a:extLst>
+              </p:cNvPr>
+              <p:cNvGrpSpPr/>
+              <p:nvPr/>
+            </p:nvGrpSpPr>
+            <p:grpSpPr>
+              <a:xfrm>
+                <a:off x="5343284" y="20558"/>
+                <a:ext cx="1623976" cy="6717288"/>
+                <a:chOff x="9104472" y="7200"/>
+                <a:chExt cx="1623976" cy="6717288"/>
+              </a:xfrm>
+            </p:grpSpPr>
+            <p:pic>
+              <p:nvPicPr>
+                <p:cNvPr id="33" name="Picture 32" descr="A graph with different colored lines&#10;&#10;Description automatically generated">
+                  <a:extLst>
+                    <a:ext uri="{FF2B5EF4-FFF2-40B4-BE49-F238E27FC236}">
+                      <a16:creationId xmlns:a16="http://schemas.microsoft.com/office/drawing/2014/main" id="{CADDC764-F7E0-EE78-9DDF-313B92DB1BD3}"/>
+                    </a:ext>
+                  </a:extLst>
+                </p:cNvPr>
+                <p:cNvPicPr>
+                  <a:picLocks noChangeAspect="1"/>
+                </p:cNvPicPr>
+                <p:nvPr/>
+              </p:nvPicPr>
+              <p:blipFill>
+                <a:blip r:embed="rId7"/>
+                <a:stretch>
+                  <a:fillRect/>
+                </a:stretch>
+              </p:blipFill>
+              <p:spPr>
+                <a:xfrm>
+                  <a:off x="9111072" y="5511456"/>
+                  <a:ext cx="1617376" cy="1213032"/>
+                </a:xfrm>
+                <a:prstGeom prst="rect">
+                  <a:avLst/>
+                </a:prstGeom>
+              </p:spPr>
+            </p:pic>
+            <p:pic>
+              <p:nvPicPr>
+                <p:cNvPr id="35" name="Picture 34" descr="A graph with colored lines and dots&#10;&#10;Description automatically generated">
+                  <a:extLst>
+                    <a:ext uri="{FF2B5EF4-FFF2-40B4-BE49-F238E27FC236}">
+                      <a16:creationId xmlns:a16="http://schemas.microsoft.com/office/drawing/2014/main" id="{F7A248AC-3312-D5D1-984B-5D267F275778}"/>
+                    </a:ext>
+                  </a:extLst>
+                </p:cNvPr>
+                <p:cNvPicPr>
+                  <a:picLocks noChangeAspect="1"/>
+                </p:cNvPicPr>
+                <p:nvPr/>
+              </p:nvPicPr>
+              <p:blipFill>
+                <a:blip r:embed="rId8"/>
+                <a:stretch>
+                  <a:fillRect/>
+                </a:stretch>
+              </p:blipFill>
+              <p:spPr>
+                <a:xfrm>
+                  <a:off x="9111072" y="4135392"/>
+                  <a:ext cx="1617376" cy="1213032"/>
+                </a:xfrm>
+                <a:prstGeom prst="rect">
+                  <a:avLst/>
+                </a:prstGeom>
+              </p:spPr>
+            </p:pic>
+            <p:pic>
+              <p:nvPicPr>
+                <p:cNvPr id="37" name="Picture 36" descr="A graph with colored lines and dots&#10;&#10;Description automatically generated">
+                  <a:extLst>
+                    <a:ext uri="{FF2B5EF4-FFF2-40B4-BE49-F238E27FC236}">
+                      <a16:creationId xmlns:a16="http://schemas.microsoft.com/office/drawing/2014/main" id="{3C6F155C-CE51-75D4-8A1D-4111A857AF5A}"/>
+                    </a:ext>
+                  </a:extLst>
+                </p:cNvPr>
+                <p:cNvPicPr>
+                  <a:picLocks noChangeAspect="1"/>
+                </p:cNvPicPr>
+                <p:nvPr/>
+              </p:nvPicPr>
+              <p:blipFill>
+                <a:blip r:embed="rId9"/>
+                <a:stretch>
+                  <a:fillRect/>
+                </a:stretch>
+              </p:blipFill>
+              <p:spPr>
+                <a:xfrm>
+                  <a:off x="9111072" y="2759328"/>
+                  <a:ext cx="1617376" cy="1213032"/>
+                </a:xfrm>
+                <a:prstGeom prst="rect">
+                  <a:avLst/>
+                </a:prstGeom>
+              </p:spPr>
+            </p:pic>
+            <p:pic>
+              <p:nvPicPr>
+                <p:cNvPr id="39" name="Picture 38" descr="A graph with colored lines and dots&#10;&#10;Description automatically generated">
+                  <a:extLst>
+                    <a:ext uri="{FF2B5EF4-FFF2-40B4-BE49-F238E27FC236}">
+                      <a16:creationId xmlns:a16="http://schemas.microsoft.com/office/drawing/2014/main" id="{66F2B564-D056-176A-24DE-645B520209C8}"/>
+                    </a:ext>
+                  </a:extLst>
+                </p:cNvPr>
+                <p:cNvPicPr>
+                  <a:picLocks noChangeAspect="1"/>
+                </p:cNvPicPr>
+                <p:nvPr/>
+              </p:nvPicPr>
+              <p:blipFill>
+                <a:blip r:embed="rId10"/>
+                <a:stretch>
+                  <a:fillRect/>
+                </a:stretch>
+              </p:blipFill>
+              <p:spPr>
+                <a:xfrm>
+                  <a:off x="9104472" y="1383264"/>
+                  <a:ext cx="1617376" cy="1213032"/>
+                </a:xfrm>
+                <a:prstGeom prst="rect">
+                  <a:avLst/>
+                </a:prstGeom>
+              </p:spPr>
+            </p:pic>
+            <p:pic>
+              <p:nvPicPr>
+                <p:cNvPr id="41" name="Picture 40" descr="A graph with colored lines and dots&#10;&#10;Description automatically generated">
+                  <a:extLst>
+                    <a:ext uri="{FF2B5EF4-FFF2-40B4-BE49-F238E27FC236}">
+                      <a16:creationId xmlns:a16="http://schemas.microsoft.com/office/drawing/2014/main" id="{18DE3952-6DD1-58BA-DCF8-E3E9FA049F4E}"/>
+                    </a:ext>
+                  </a:extLst>
+                </p:cNvPr>
+                <p:cNvPicPr>
+                  <a:picLocks noChangeAspect="1"/>
+                </p:cNvPicPr>
+                <p:nvPr/>
+              </p:nvPicPr>
+              <p:blipFill>
+                <a:blip r:embed="rId11"/>
+                <a:stretch>
+                  <a:fillRect/>
+                </a:stretch>
+              </p:blipFill>
+              <p:spPr>
+                <a:xfrm>
+                  <a:off x="9104472" y="7200"/>
+                  <a:ext cx="1617376" cy="1213032"/>
+                </a:xfrm>
+                <a:prstGeom prst="rect">
+                  <a:avLst/>
+                </a:prstGeom>
+              </p:spPr>
+            </p:pic>
+          </p:grpSp>
+          <p:grpSp>
+            <p:nvGrpSpPr>
+              <p:cNvPr id="63" name="Group 62">
+                <a:extLst>
+                  <a:ext uri="{FF2B5EF4-FFF2-40B4-BE49-F238E27FC236}">
+                    <a16:creationId xmlns:a16="http://schemas.microsoft.com/office/drawing/2014/main" id="{DFC13B0F-8C24-FAE9-AAF6-C192984FD04E}"/>
+                  </a:ext>
+                </a:extLst>
+              </p:cNvPr>
+              <p:cNvGrpSpPr/>
+              <p:nvPr/>
+            </p:nvGrpSpPr>
+            <p:grpSpPr>
+              <a:xfrm>
+                <a:off x="3284985" y="0"/>
+                <a:ext cx="1624426" cy="6710088"/>
+                <a:chOff x="7376738" y="77916"/>
+                <a:chExt cx="1624426" cy="6710088"/>
+              </a:xfrm>
+            </p:grpSpPr>
+            <p:pic>
+              <p:nvPicPr>
+                <p:cNvPr id="43" name="Picture 42" descr="A graph with colored lines&#10;&#10;Description automatically generated">
+                  <a:extLst>
+                    <a:ext uri="{FF2B5EF4-FFF2-40B4-BE49-F238E27FC236}">
+                      <a16:creationId xmlns:a16="http://schemas.microsoft.com/office/drawing/2014/main" id="{FF3A03D7-42FA-A1B8-A324-B08FDEE78D58}"/>
+                    </a:ext>
+                  </a:extLst>
+                </p:cNvPr>
+                <p:cNvPicPr>
+                  <a:picLocks noChangeAspect="1"/>
+                </p:cNvPicPr>
+                <p:nvPr/>
+              </p:nvPicPr>
+              <p:blipFill>
+                <a:blip r:embed="rId12"/>
+                <a:stretch>
+                  <a:fillRect/>
+                </a:stretch>
+              </p:blipFill>
+              <p:spPr>
+                <a:xfrm>
+                  <a:off x="7380488" y="5574972"/>
+                  <a:ext cx="1617376" cy="1213032"/>
+                </a:xfrm>
+                <a:prstGeom prst="rect">
+                  <a:avLst/>
+                </a:prstGeom>
+              </p:spPr>
+            </p:pic>
+            <p:pic>
+              <p:nvPicPr>
+                <p:cNvPr id="45" name="Picture 44" descr="A graph with colored lines&#10;&#10;Description automatically generated">
+                  <a:extLst>
+                    <a:ext uri="{FF2B5EF4-FFF2-40B4-BE49-F238E27FC236}">
+                      <a16:creationId xmlns:a16="http://schemas.microsoft.com/office/drawing/2014/main" id="{B78DE7D4-620A-F439-8A21-084615EC6042}"/>
+                    </a:ext>
+                  </a:extLst>
+                </p:cNvPr>
+                <p:cNvPicPr>
+                  <a:picLocks noChangeAspect="1"/>
+                </p:cNvPicPr>
+                <p:nvPr/>
+              </p:nvPicPr>
+              <p:blipFill>
+                <a:blip r:embed="rId13"/>
+                <a:stretch>
+                  <a:fillRect/>
+                </a:stretch>
+              </p:blipFill>
+              <p:spPr>
+                <a:xfrm>
+                  <a:off x="7380488" y="4206108"/>
+                  <a:ext cx="1617376" cy="1213032"/>
+                </a:xfrm>
+                <a:prstGeom prst="rect">
+                  <a:avLst/>
+                </a:prstGeom>
+              </p:spPr>
+            </p:pic>
+            <p:pic>
+              <p:nvPicPr>
+                <p:cNvPr id="47" name="Picture 46" descr="A graph with a line&#10;&#10;Description automatically generated">
+                  <a:extLst>
+                    <a:ext uri="{FF2B5EF4-FFF2-40B4-BE49-F238E27FC236}">
+                      <a16:creationId xmlns:a16="http://schemas.microsoft.com/office/drawing/2014/main" id="{14D429BA-E7D9-6F85-BCB8-A5FECCCFF620}"/>
+                    </a:ext>
+                  </a:extLst>
+                </p:cNvPr>
+                <p:cNvPicPr>
+                  <a:picLocks noChangeAspect="1"/>
+                </p:cNvPicPr>
+                <p:nvPr/>
+              </p:nvPicPr>
+              <p:blipFill>
+                <a:blip r:embed="rId14"/>
+                <a:stretch>
+                  <a:fillRect/>
+                </a:stretch>
+              </p:blipFill>
+              <p:spPr>
+                <a:xfrm>
+                  <a:off x="7376738" y="2850602"/>
+                  <a:ext cx="1617376" cy="1213032"/>
+                </a:xfrm>
+                <a:prstGeom prst="rect">
+                  <a:avLst/>
+                </a:prstGeom>
+              </p:spPr>
+            </p:pic>
+            <p:pic>
+              <p:nvPicPr>
+                <p:cNvPr id="49" name="Picture 48" descr="A line graph with different colored lines&#10;&#10;Description automatically generated">
+                  <a:extLst>
+                    <a:ext uri="{FF2B5EF4-FFF2-40B4-BE49-F238E27FC236}">
+                      <a16:creationId xmlns:a16="http://schemas.microsoft.com/office/drawing/2014/main" id="{60EE95AE-DC74-C50D-7ECF-A5960AE60B18}"/>
+                    </a:ext>
+                  </a:extLst>
+                </p:cNvPr>
+                <p:cNvPicPr>
+                  <a:picLocks noChangeAspect="1"/>
+                </p:cNvPicPr>
+                <p:nvPr/>
+              </p:nvPicPr>
+              <p:blipFill>
+                <a:blip r:embed="rId15"/>
+                <a:stretch>
+                  <a:fillRect/>
+                </a:stretch>
+              </p:blipFill>
+              <p:spPr>
+                <a:xfrm>
+                  <a:off x="7383788" y="1446780"/>
+                  <a:ext cx="1617376" cy="1213032"/>
+                </a:xfrm>
+                <a:prstGeom prst="rect">
+                  <a:avLst/>
+                </a:prstGeom>
+              </p:spPr>
+            </p:pic>
+            <p:pic>
+              <p:nvPicPr>
+                <p:cNvPr id="51" name="Picture 50" descr="A graph with a line&#10;&#10;Description automatically generated">
+                  <a:extLst>
+                    <a:ext uri="{FF2B5EF4-FFF2-40B4-BE49-F238E27FC236}">
+                      <a16:creationId xmlns:a16="http://schemas.microsoft.com/office/drawing/2014/main" id="{427C2F82-3AB7-FED9-3F8C-C93CADB0153C}"/>
+                    </a:ext>
+                  </a:extLst>
+                </p:cNvPr>
+                <p:cNvPicPr>
+                  <a:picLocks noChangeAspect="1"/>
+                </p:cNvPicPr>
+                <p:nvPr/>
+              </p:nvPicPr>
+              <p:blipFill>
+                <a:blip r:embed="rId16"/>
+                <a:stretch>
+                  <a:fillRect/>
+                </a:stretch>
+              </p:blipFill>
+              <p:spPr>
+                <a:xfrm>
+                  <a:off x="7380488" y="77916"/>
+                  <a:ext cx="1617376" cy="1213032"/>
+                </a:xfrm>
+                <a:prstGeom prst="rect">
+                  <a:avLst/>
+                </a:prstGeom>
+              </p:spPr>
+            </p:pic>
+          </p:grpSp>
+          <p:grpSp>
+            <p:nvGrpSpPr>
+              <p:cNvPr id="62" name="Group 61">
+                <a:extLst>
+                  <a:ext uri="{FF2B5EF4-FFF2-40B4-BE49-F238E27FC236}">
+                    <a16:creationId xmlns:a16="http://schemas.microsoft.com/office/drawing/2014/main" id="{806B4E82-D33C-4ADA-1251-F8112D3346C2}"/>
+                  </a:ext>
+                </a:extLst>
+              </p:cNvPr>
+              <p:cNvGrpSpPr/>
+              <p:nvPr/>
+            </p:nvGrpSpPr>
+            <p:grpSpPr>
+              <a:xfrm>
+                <a:off x="1236344" y="7200"/>
+                <a:ext cx="1654304" cy="6717288"/>
+                <a:chOff x="8324008" y="374136"/>
+                <a:chExt cx="1654304" cy="6717288"/>
+              </a:xfrm>
+            </p:grpSpPr>
+            <p:pic>
+              <p:nvPicPr>
+                <p:cNvPr id="53" name="Picture 52" descr="A graph with different colored lines&#10;&#10;Description automatically generated">
+                  <a:extLst>
+                    <a:ext uri="{FF2B5EF4-FFF2-40B4-BE49-F238E27FC236}">
+                      <a16:creationId xmlns:a16="http://schemas.microsoft.com/office/drawing/2014/main" id="{ADA9FBD0-2D46-F3C9-440A-D53883FC90F1}"/>
+                    </a:ext>
+                  </a:extLst>
+                </p:cNvPr>
+                <p:cNvPicPr>
+                  <a:picLocks noChangeAspect="1"/>
+                </p:cNvPicPr>
+                <p:nvPr/>
+              </p:nvPicPr>
+              <p:blipFill>
+                <a:blip r:embed="rId17"/>
+                <a:stretch>
+                  <a:fillRect/>
+                </a:stretch>
+              </p:blipFill>
+              <p:spPr>
+                <a:xfrm>
+                  <a:off x="8360936" y="5878392"/>
+                  <a:ext cx="1617376" cy="1213032"/>
+                </a:xfrm>
+                <a:prstGeom prst="rect">
+                  <a:avLst/>
+                </a:prstGeom>
+              </p:spPr>
+            </p:pic>
+            <p:pic>
+              <p:nvPicPr>
+                <p:cNvPr id="55" name="Picture 54" descr="A graph with colored lines&#10;&#10;Description automatically generated">
+                  <a:extLst>
+                    <a:ext uri="{FF2B5EF4-FFF2-40B4-BE49-F238E27FC236}">
+                      <a16:creationId xmlns:a16="http://schemas.microsoft.com/office/drawing/2014/main" id="{1D82766D-B5A3-2C3B-B3D2-7F00727619F0}"/>
+                    </a:ext>
+                  </a:extLst>
+                </p:cNvPr>
+                <p:cNvPicPr>
+                  <a:picLocks noChangeAspect="1"/>
+                </p:cNvPicPr>
+                <p:nvPr/>
+              </p:nvPicPr>
+              <p:blipFill>
+                <a:blip r:embed="rId18"/>
+                <a:stretch>
+                  <a:fillRect/>
+                </a:stretch>
+              </p:blipFill>
+              <p:spPr>
+                <a:xfrm>
+                  <a:off x="8338872" y="4502328"/>
+                  <a:ext cx="1617376" cy="1213032"/>
+                </a:xfrm>
+                <a:prstGeom prst="rect">
+                  <a:avLst/>
+                </a:prstGeom>
+              </p:spPr>
+            </p:pic>
+            <p:pic>
+              <p:nvPicPr>
+                <p:cNvPr id="57" name="Picture 56" descr="A graph with different colored lines&#10;&#10;Description automatically generated">
+                  <a:extLst>
+                    <a:ext uri="{FF2B5EF4-FFF2-40B4-BE49-F238E27FC236}">
+                      <a16:creationId xmlns:a16="http://schemas.microsoft.com/office/drawing/2014/main" id="{939E1381-E519-FFA0-9559-D8304C4DE9F5}"/>
+                    </a:ext>
+                  </a:extLst>
+                </p:cNvPr>
+                <p:cNvPicPr>
+                  <a:picLocks noChangeAspect="1"/>
+                </p:cNvPicPr>
+                <p:nvPr/>
+              </p:nvPicPr>
+              <p:blipFill>
+                <a:blip r:embed="rId19"/>
+                <a:stretch>
+                  <a:fillRect/>
+                </a:stretch>
+              </p:blipFill>
+              <p:spPr>
+                <a:xfrm>
+                  <a:off x="8324008" y="3126264"/>
+                  <a:ext cx="1617376" cy="1213032"/>
+                </a:xfrm>
+                <a:prstGeom prst="rect">
+                  <a:avLst/>
+                </a:prstGeom>
+              </p:spPr>
+            </p:pic>
+            <p:pic>
+              <p:nvPicPr>
+                <p:cNvPr id="59" name="Picture 58" descr="A graph with colored lines&#10;&#10;Description automatically generated">
+                  <a:extLst>
+                    <a:ext uri="{FF2B5EF4-FFF2-40B4-BE49-F238E27FC236}">
+                      <a16:creationId xmlns:a16="http://schemas.microsoft.com/office/drawing/2014/main" id="{4601EC9F-B2F2-34C5-FE9D-9742B63A3671}"/>
+                    </a:ext>
+                  </a:extLst>
+                </p:cNvPr>
+                <p:cNvPicPr>
+                  <a:picLocks noChangeAspect="1"/>
+                </p:cNvPicPr>
+                <p:nvPr/>
+              </p:nvPicPr>
+              <p:blipFill>
+                <a:blip r:embed="rId20"/>
+                <a:stretch>
+                  <a:fillRect/>
+                </a:stretch>
+              </p:blipFill>
+              <p:spPr>
+                <a:xfrm>
+                  <a:off x="8360936" y="1750200"/>
+                  <a:ext cx="1617376" cy="1213032"/>
+                </a:xfrm>
+                <a:prstGeom prst="rect">
+                  <a:avLst/>
+                </a:prstGeom>
+              </p:spPr>
+            </p:pic>
+            <p:pic>
+              <p:nvPicPr>
+                <p:cNvPr id="61" name="Picture 60" descr="A graph with colored lines&#10;&#10;Description automatically generated">
+                  <a:extLst>
+                    <a:ext uri="{FF2B5EF4-FFF2-40B4-BE49-F238E27FC236}">
+                      <a16:creationId xmlns:a16="http://schemas.microsoft.com/office/drawing/2014/main" id="{D5BAA76F-8A21-47F7-C511-66D080707082}"/>
+                    </a:ext>
+                  </a:extLst>
+                </p:cNvPr>
+                <p:cNvPicPr>
+                  <a:picLocks noChangeAspect="1"/>
+                </p:cNvPicPr>
+                <p:nvPr/>
+              </p:nvPicPr>
+              <p:blipFill>
+                <a:blip r:embed="rId21"/>
+                <a:stretch>
+                  <a:fillRect/>
+                </a:stretch>
+              </p:blipFill>
+              <p:spPr>
+                <a:xfrm>
+                  <a:off x="8360936" y="374136"/>
+                  <a:ext cx="1617376" cy="1213032"/>
+                </a:xfrm>
+                <a:prstGeom prst="rect">
+                  <a:avLst/>
+                </a:prstGeom>
+              </p:spPr>
+            </p:pic>
+          </p:grpSp>
+          <p:sp>
+            <p:nvSpPr>
+              <p:cNvPr id="70" name="TextBox 69">
+                <a:extLst>
+                  <a:ext uri="{FF2B5EF4-FFF2-40B4-BE49-F238E27FC236}">
+                    <a16:creationId xmlns:a16="http://schemas.microsoft.com/office/drawing/2014/main" id="{9A644DDE-CEF2-FD36-AAF2-4F991918EA1A}"/>
+                  </a:ext>
+                </a:extLst>
+              </p:cNvPr>
+              <p:cNvSpPr txBox="1"/>
+              <p:nvPr/>
+            </p:nvSpPr>
+            <p:spPr>
+              <a:xfrm rot="16200000">
+                <a:off x="-498866" y="2430553"/>
+                <a:ext cx="2927710" cy="276999"/>
+              </a:xfrm>
+              <a:prstGeom prst="rect">
+                <a:avLst/>
+              </a:prstGeom>
+              <a:noFill/>
+            </p:spPr>
+            <p:txBody>
+              <a:bodyPr wrap="square">
+                <a:spAutoFit/>
+              </a:bodyPr>
+              <a:lstStyle/>
+              <a:p>
+                <a:r>
+                  <a:rPr lang="en-US" sz="1200" dirty="0"/>
+                  <a:t>Spores Consumed</a:t>
+                </a:r>
+              </a:p>
+            </p:txBody>
+          </p:sp>
+          <p:sp>
+            <p:nvSpPr>
+              <p:cNvPr id="71" name="TextBox 70">
+                <a:extLst>
+                  <a:ext uri="{FF2B5EF4-FFF2-40B4-BE49-F238E27FC236}">
+                    <a16:creationId xmlns:a16="http://schemas.microsoft.com/office/drawing/2014/main" id="{AF52B53A-53E0-9F66-CF8D-D789EE101328}"/>
+                  </a:ext>
+                </a:extLst>
+              </p:cNvPr>
+              <p:cNvSpPr txBox="1"/>
+              <p:nvPr/>
+            </p:nvSpPr>
+            <p:spPr>
+              <a:xfrm rot="16200000">
+                <a:off x="1509748" y="2011647"/>
+                <a:ext cx="3173060" cy="461665"/>
+              </a:xfrm>
+              <a:prstGeom prst="rect">
+                <a:avLst/>
+              </a:prstGeom>
+              <a:noFill/>
+            </p:spPr>
+            <p:txBody>
+              <a:bodyPr wrap="square">
+                <a:spAutoFit/>
+              </a:bodyPr>
+              <a:lstStyle/>
+              <a:p>
+                <a:r>
+                  <a:rPr lang="en-US" sz="1200" dirty="0"/>
+                  <a:t>Per-spore </a:t>
+                </a:r>
+              </a:p>
+              <a:p>
+                <a:r>
+                  <a:rPr lang="en-US" sz="1200" dirty="0"/>
+                  <a:t>susceptibility</a:t>
+                </a:r>
+              </a:p>
+            </p:txBody>
+          </p:sp>
+          <p:sp>
+            <p:nvSpPr>
+              <p:cNvPr id="72" name="TextBox 71">
+                <a:extLst>
+                  <a:ext uri="{FF2B5EF4-FFF2-40B4-BE49-F238E27FC236}">
+                    <a16:creationId xmlns:a16="http://schemas.microsoft.com/office/drawing/2014/main" id="{6EBD18E9-FEDC-EA0A-47D8-F79A6DC4B2FC}"/>
+                  </a:ext>
+                </a:extLst>
+              </p:cNvPr>
+              <p:cNvSpPr txBox="1"/>
+              <p:nvPr/>
+            </p:nvSpPr>
+            <p:spPr>
+              <a:xfrm rot="16200000">
+                <a:off x="3618817" y="2342204"/>
+                <a:ext cx="3173060" cy="276999"/>
+              </a:xfrm>
+              <a:prstGeom prst="rect">
+                <a:avLst/>
+              </a:prstGeom>
+              <a:noFill/>
+            </p:spPr>
+            <p:txBody>
+              <a:bodyPr wrap="square">
+                <a:spAutoFit/>
+              </a:bodyPr>
+              <a:lstStyle/>
+              <a:p>
+                <a:r>
+                  <a:rPr lang="en-US" sz="1200" dirty="0"/>
+                  <a:t>Infection Prevalence</a:t>
+                </a:r>
+              </a:p>
+            </p:txBody>
+          </p:sp>
+          <p:sp>
+            <p:nvSpPr>
+              <p:cNvPr id="73" name="TextBox 72">
+                <a:extLst>
+                  <a:ext uri="{FF2B5EF4-FFF2-40B4-BE49-F238E27FC236}">
+                    <a16:creationId xmlns:a16="http://schemas.microsoft.com/office/drawing/2014/main" id="{3322FDA6-A985-5CDF-46D4-504986DF1378}"/>
+                  </a:ext>
+                </a:extLst>
+              </p:cNvPr>
+              <p:cNvSpPr txBox="1"/>
+              <p:nvPr/>
+            </p:nvSpPr>
+            <p:spPr>
+              <a:xfrm>
+                <a:off x="678624" y="6737846"/>
+                <a:ext cx="7274932" cy="276999"/>
+              </a:xfrm>
+              <a:prstGeom prst="rect">
+                <a:avLst/>
+              </a:prstGeom>
+              <a:solidFill>
+                <a:schemeClr val="bg1"/>
+              </a:solidFill>
+            </p:spPr>
+            <p:txBody>
+              <a:bodyPr wrap="square" rtlCol="0">
+                <a:spAutoFit/>
+              </a:bodyPr>
+              <a:lstStyle/>
+              <a:p>
+                <a:pPr algn="ctr"/>
+                <a:r>
+                  <a:rPr lang="en-US" sz="1200" dirty="0"/>
+                  <a:t>Resource Concentration (</a:t>
+                </a:r>
+                <a:r>
+                  <a:rPr lang="en-US" sz="1200" dirty="0" err="1"/>
+                  <a:t>mgC</a:t>
+                </a:r>
+                <a:r>
+                  <a:rPr lang="en-US" sz="1200" dirty="0"/>
+                  <a:t>/L)</a:t>
+                </a:r>
+              </a:p>
+            </p:txBody>
+          </p:sp>
+        </p:grpSp>
+        <p:pic>
+          <p:nvPicPr>
+            <p:cNvPr id="75" name="Picture 74">
+              <a:extLst>
+                <a:ext uri="{FF2B5EF4-FFF2-40B4-BE49-F238E27FC236}">
+                  <a16:creationId xmlns:a16="http://schemas.microsoft.com/office/drawing/2014/main" id="{D1D135FC-1CB9-A176-A06E-9469853D93F0}"/>
+                </a:ext>
+              </a:extLst>
+            </p:cNvPr>
+            <p:cNvPicPr>
+              <a:picLocks noChangeAspect="1"/>
+            </p:cNvPicPr>
+            <p:nvPr/>
+          </p:nvPicPr>
+          <p:blipFill rotWithShape="1">
+            <a:blip r:embed="rId22"/>
+            <a:srcRect l="77315" t="32407" b="34178"/>
+            <a:stretch/>
+          </p:blipFill>
+          <p:spPr>
+            <a:xfrm>
+              <a:off x="7168379" y="5041908"/>
+              <a:ext cx="823509" cy="1213032"/>
+            </a:xfrm>
+            <a:prstGeom prst="rect">
+              <a:avLst/>
+            </a:prstGeom>
+          </p:spPr>
+        </p:pic>
+        <p:sp>
+          <p:nvSpPr>
+            <p:cNvPr id="76" name="TextBox 75">
+              <a:extLst>
+                <a:ext uri="{FF2B5EF4-FFF2-40B4-BE49-F238E27FC236}">
+                  <a16:creationId xmlns:a16="http://schemas.microsoft.com/office/drawing/2014/main" id="{3466B27B-3D5D-BF4B-E7F9-0AA3838BCF9D}"/>
+                </a:ext>
+              </a:extLst>
+            </p:cNvPr>
+            <p:cNvSpPr txBox="1"/>
+            <p:nvPr/>
+          </p:nvSpPr>
+          <p:spPr>
+            <a:xfrm>
+              <a:off x="6939860" y="4758230"/>
+              <a:ext cx="1239575" cy="307777"/>
+            </a:xfrm>
+            <a:prstGeom prst="rect">
+              <a:avLst/>
+            </a:prstGeom>
+            <a:solidFill>
+              <a:schemeClr val="bg1"/>
+            </a:solidFill>
+          </p:spPr>
+          <p:txBody>
+            <a:bodyPr wrap="square" rtlCol="0">
+              <a:spAutoFit/>
+            </a:bodyPr>
+            <a:lstStyle/>
+            <a:p>
+              <a:pPr algn="ctr"/>
+              <a:r>
+                <a:rPr lang="en-US" sz="1400" dirty="0"/>
+                <a:t>Temp. (C)</a:t>
+              </a:r>
+            </a:p>
+          </p:txBody>
+        </p:sp>
+      </p:grpSp>
     </p:spTree>
     <p:extLst>
       <p:ext uri="{BB962C8B-B14F-4D97-AF65-F5344CB8AC3E}">

--- a/workshop/figures/update/figures.pptx
+++ b/workshop/figures/update/figures.pptx
@@ -508,7 +508,7 @@
           <a:p>
             <a:r>
               <a:rPr lang="en-US" dirty="0"/>
-              <a:t>Foraging rate assay model fits</a:t>
+              <a:t>OLD VERSION  of Foraging rate assay model fits</a:t>
             </a:r>
           </a:p>
         </p:txBody>
@@ -595,7 +595,7 @@
           <a:p>
             <a:r>
               <a:rPr lang="en-US" dirty="0"/>
-              <a:t>Infection assay model fits</a:t>
+              <a:t>NEW Version</a:t>
             </a:r>
           </a:p>
         </p:txBody>
@@ -615,6 +615,93 @@
           <a:bodyPr/>
           <a:lstStyle/>
           <a:p>
+            <a:fld id="{B33F7D8B-887A-944E-BCDA-920062932D92}" type="slidenum">
+              <a:rPr lang="en-US" smtClean="0"/>
+              <a:t>2</a:t>
+            </a:fld>
+            <a:endParaRPr lang="en-US"/>
+          </a:p>
+        </p:txBody>
+      </p:sp>
+    </p:spTree>
+    <p:extLst>
+      <p:ext uri="{BB962C8B-B14F-4D97-AF65-F5344CB8AC3E}">
+        <p14:creationId xmlns:p14="http://schemas.microsoft.com/office/powerpoint/2010/main" val="3279567593"/>
+      </p:ext>
+    </p:extLst>
+  </p:cSld>
+  <p:clrMapOvr>
+    <a:masterClrMapping/>
+  </p:clrMapOvr>
+</p:notes>
+</file>
+
+<file path=ppt/notesSlides/notesSlide3.xml><?xml version="1.0" encoding="utf-8"?>
+<p:notes xmlns:a="http://schemas.openxmlformats.org/drawingml/2006/main" xmlns:r="http://schemas.openxmlformats.org/officeDocument/2006/relationships" xmlns:p="http://schemas.openxmlformats.org/presentationml/2006/main">
+  <p:cSld>
+    <p:spTree>
+      <p:nvGrpSpPr>
+        <p:cNvPr id="1" name=""/>
+        <p:cNvGrpSpPr/>
+        <p:nvPr/>
+      </p:nvGrpSpPr>
+      <p:grpSpPr>
+        <a:xfrm>
+          <a:off x="0" y="0"/>
+          <a:ext cx="0" cy="0"/>
+          <a:chOff x="0" y="0"/>
+          <a:chExt cx="0" cy="0"/>
+        </a:xfrm>
+      </p:grpSpPr>
+      <p:sp>
+        <p:nvSpPr>
+          <p:cNvPr id="2" name="Slide Image Placeholder 1"/>
+          <p:cNvSpPr>
+            <a:spLocks noGrp="1" noRot="1" noChangeAspect="1"/>
+          </p:cNvSpPr>
+          <p:nvPr>
+            <p:ph type="sldImg"/>
+          </p:nvPr>
+        </p:nvSpPr>
+        <p:spPr/>
+      </p:sp>
+      <p:sp>
+        <p:nvSpPr>
+          <p:cNvPr id="3" name="Notes Placeholder 2"/>
+          <p:cNvSpPr>
+            <a:spLocks noGrp="1"/>
+          </p:cNvSpPr>
+          <p:nvPr>
+            <p:ph type="body" idx="1"/>
+          </p:nvPr>
+        </p:nvSpPr>
+        <p:spPr/>
+        <p:txBody>
+          <a:bodyPr/>
+          <a:lstStyle/>
+          <a:p>
+            <a:r>
+              <a:rPr lang="en-US" dirty="0"/>
+              <a:t>OLD VERSION of Infection assay model fits</a:t>
+            </a:r>
+          </a:p>
+        </p:txBody>
+      </p:sp>
+      <p:sp>
+        <p:nvSpPr>
+          <p:cNvPr id="4" name="Slide Number Placeholder 3"/>
+          <p:cNvSpPr>
+            <a:spLocks noGrp="1"/>
+          </p:cNvSpPr>
+          <p:nvPr>
+            <p:ph type="sldNum" sz="quarter" idx="5"/>
+          </p:nvPr>
+        </p:nvSpPr>
+        <p:spPr/>
+        <p:txBody>
+          <a:bodyPr/>
+          <a:lstStyle/>
+          <a:p>
             <a:fld id="{3DA3822F-E35E-3249-A733-D70B14F88958}" type="slidenum">
               <a:rPr lang="en-US" smtClean="0"/>
               <a:t>3</a:t>
@@ -627,6 +714,93 @@
     <p:extLst>
       <p:ext uri="{BB962C8B-B14F-4D97-AF65-F5344CB8AC3E}">
         <p14:creationId xmlns:p14="http://schemas.microsoft.com/office/powerpoint/2010/main" val="1651325759"/>
+      </p:ext>
+    </p:extLst>
+  </p:cSld>
+  <p:clrMapOvr>
+    <a:masterClrMapping/>
+  </p:clrMapOvr>
+</p:notes>
+</file>
+
+<file path=ppt/notesSlides/notesSlide4.xml><?xml version="1.0" encoding="utf-8"?>
+<p:notes xmlns:a="http://schemas.openxmlformats.org/drawingml/2006/main" xmlns:r="http://schemas.openxmlformats.org/officeDocument/2006/relationships" xmlns:p="http://schemas.openxmlformats.org/presentationml/2006/main">
+  <p:cSld>
+    <p:spTree>
+      <p:nvGrpSpPr>
+        <p:cNvPr id="1" name=""/>
+        <p:cNvGrpSpPr/>
+        <p:nvPr/>
+      </p:nvGrpSpPr>
+      <p:grpSpPr>
+        <a:xfrm>
+          <a:off x="0" y="0"/>
+          <a:ext cx="0" cy="0"/>
+          <a:chOff x="0" y="0"/>
+          <a:chExt cx="0" cy="0"/>
+        </a:xfrm>
+      </p:grpSpPr>
+      <p:sp>
+        <p:nvSpPr>
+          <p:cNvPr id="2" name="Slide Image Placeholder 1"/>
+          <p:cNvSpPr>
+            <a:spLocks noGrp="1" noRot="1" noChangeAspect="1"/>
+          </p:cNvSpPr>
+          <p:nvPr>
+            <p:ph type="sldImg"/>
+          </p:nvPr>
+        </p:nvSpPr>
+        <p:spPr/>
+      </p:sp>
+      <p:sp>
+        <p:nvSpPr>
+          <p:cNvPr id="3" name="Notes Placeholder 2"/>
+          <p:cNvSpPr>
+            <a:spLocks noGrp="1"/>
+          </p:cNvSpPr>
+          <p:nvPr>
+            <p:ph type="body" idx="1"/>
+          </p:nvPr>
+        </p:nvSpPr>
+        <p:spPr/>
+        <p:txBody>
+          <a:bodyPr/>
+          <a:lstStyle/>
+          <a:p>
+            <a:r>
+              <a:rPr lang="en-US"/>
+              <a:t>NEW version</a:t>
+            </a:r>
+          </a:p>
+        </p:txBody>
+      </p:sp>
+      <p:sp>
+        <p:nvSpPr>
+          <p:cNvPr id="4" name="Slide Number Placeholder 3"/>
+          <p:cNvSpPr>
+            <a:spLocks noGrp="1"/>
+          </p:cNvSpPr>
+          <p:nvPr>
+            <p:ph type="sldNum" sz="quarter" idx="5"/>
+          </p:nvPr>
+        </p:nvSpPr>
+        <p:spPr/>
+        <p:txBody>
+          <a:bodyPr/>
+          <a:lstStyle/>
+          <a:p>
+            <a:fld id="{B33F7D8B-887A-944E-BCDA-920062932D92}" type="slidenum">
+              <a:rPr lang="en-US" smtClean="0"/>
+              <a:t>4</a:t>
+            </a:fld>
+            <a:endParaRPr lang="en-US"/>
+          </a:p>
+        </p:txBody>
+      </p:sp>
+    </p:spTree>
+    <p:extLst>
+      <p:ext uri="{BB962C8B-B14F-4D97-AF65-F5344CB8AC3E}">
+        <p14:creationId xmlns:p14="http://schemas.microsoft.com/office/powerpoint/2010/main" val="1410876488"/>
       </p:ext>
     </p:extLst>
   </p:cSld>
@@ -4798,7 +4972,7 @@
             <p:nvPr/>
           </p:nvPicPr>
           <p:blipFill>
-            <a:blip r:embed="rId2"/>
+            <a:blip r:embed="rId3"/>
             <a:stretch>
               <a:fillRect/>
             </a:stretch>
@@ -4828,7 +5002,7 @@
             <p:nvPr/>
           </p:nvPicPr>
           <p:blipFill>
-            <a:blip r:embed="rId3"/>
+            <a:blip r:embed="rId4"/>
             <a:stretch>
               <a:fillRect/>
             </a:stretch>
@@ -4858,7 +5032,7 @@
             <p:nvPr/>
           </p:nvPicPr>
           <p:blipFill>
-            <a:blip r:embed="rId4"/>
+            <a:blip r:embed="rId5"/>
             <a:stretch>
               <a:fillRect/>
             </a:stretch>
@@ -4888,7 +5062,7 @@
             <p:nvPr/>
           </p:nvPicPr>
           <p:blipFill>
-            <a:blip r:embed="rId5"/>
+            <a:blip r:embed="rId6"/>
             <a:stretch>
               <a:fillRect/>
             </a:stretch>
@@ -4918,7 +5092,7 @@
             <p:nvPr/>
           </p:nvPicPr>
           <p:blipFill>
-            <a:blip r:embed="rId6"/>
+            <a:blip r:embed="rId7"/>
             <a:stretch>
               <a:fillRect/>
             </a:stretch>
@@ -4948,7 +5122,7 @@
             <p:nvPr/>
           </p:nvPicPr>
           <p:blipFill>
-            <a:blip r:embed="rId7"/>
+            <a:blip r:embed="rId8"/>
             <a:stretch>
               <a:fillRect/>
             </a:stretch>
@@ -4978,7 +5152,7 @@
             <p:nvPr/>
           </p:nvPicPr>
           <p:blipFill>
-            <a:blip r:embed="rId8"/>
+            <a:blip r:embed="rId9"/>
             <a:stretch>
               <a:fillRect/>
             </a:stretch>
@@ -5008,7 +5182,7 @@
             <p:nvPr/>
           </p:nvPicPr>
           <p:blipFill>
-            <a:blip r:embed="rId9"/>
+            <a:blip r:embed="rId10"/>
             <a:stretch>
               <a:fillRect/>
             </a:stretch>
@@ -5038,7 +5212,7 @@
             <p:nvPr/>
           </p:nvPicPr>
           <p:blipFill>
-            <a:blip r:embed="rId10"/>
+            <a:blip r:embed="rId11"/>
             <a:stretch>
               <a:fillRect/>
             </a:stretch>
@@ -5068,7 +5242,7 @@
             <p:nvPr/>
           </p:nvPicPr>
           <p:blipFill>
-            <a:blip r:embed="rId11"/>
+            <a:blip r:embed="rId12"/>
             <a:stretch>
               <a:fillRect/>
             </a:stretch>
@@ -5161,7 +5335,7 @@
                   <a:avLst/>
                 </a:prstGeom>
                 <a:blipFill>
-                  <a:blip r:embed="rId12"/>
+                  <a:blip r:embed="rId13"/>
                   <a:stretch>
                     <a:fillRect l="-943" t="-4000" b="-24000"/>
                   </a:stretch>
@@ -5263,7 +5437,7 @@
                   <a:avLst/>
                 </a:prstGeom>
                 <a:blipFill>
-                  <a:blip r:embed="rId13"/>
+                  <a:blip r:embed="rId14"/>
                   <a:stretch>
                     <a:fillRect l="-1266" t="-4000" b="-24000"/>
                   </a:stretch>
@@ -5365,7 +5539,7 @@
                   <a:avLst/>
                 </a:prstGeom>
                 <a:blipFill>
-                  <a:blip r:embed="rId14"/>
+                  <a:blip r:embed="rId15"/>
                   <a:stretch>
                     <a:fillRect l="-1170" t="-4000" b="-20000"/>
                   </a:stretch>
@@ -5467,7 +5641,7 @@
                   <a:avLst/>
                 </a:prstGeom>
                 <a:blipFill>
-                  <a:blip r:embed="rId15"/>
+                  <a:blip r:embed="rId16"/>
                   <a:stretch>
                     <a:fillRect l="-833" b="-19231"/>
                   </a:stretch>
@@ -5569,7 +5743,7 @@
                   <a:avLst/>
                 </a:prstGeom>
                 <a:blipFill>
-                  <a:blip r:embed="rId16"/>
+                  <a:blip r:embed="rId17"/>
                   <a:stretch>
                     <a:fillRect l="-1802" t="-4000" b="-20000"/>
                   </a:stretch>
@@ -5686,7 +5860,7 @@
             <p:nvPr/>
           </p:nvPicPr>
           <p:blipFill rotWithShape="1">
-            <a:blip r:embed="rId17"/>
+            <a:blip r:embed="rId18"/>
             <a:srcRect l="77315" t="32407" b="34178"/>
             <a:stretch/>
           </p:blipFill>
@@ -7124,7 +7298,7 @@
                     <a:avLst/>
                   </a:prstGeom>
                   <a:blipFill>
-                    <a:blip r:embed="rId2"/>
+                    <a:blip r:embed="rId3"/>
                     <a:stretch>
                       <a:fillRect t="-4545" b="-13636"/>
                     </a:stretch>
@@ -7264,7 +7438,7 @@
                     <a:avLst/>
                   </a:prstGeom>
                   <a:blipFill>
-                    <a:blip r:embed="rId3"/>
+                    <a:blip r:embed="rId4"/>
                     <a:stretch>
                       <a:fillRect b="-13043"/>
                     </a:stretch>
@@ -7398,7 +7572,7 @@
                     <a:avLst/>
                   </a:prstGeom>
                   <a:blipFill>
-                    <a:blip r:embed="rId4"/>
+                    <a:blip r:embed="rId5"/>
                     <a:stretch>
                       <a:fillRect b="-13043"/>
                     </a:stretch>
@@ -7538,7 +7712,7 @@
                     <a:avLst/>
                   </a:prstGeom>
                   <a:blipFill>
-                    <a:blip r:embed="rId5"/>
+                    <a:blip r:embed="rId6"/>
                     <a:stretch>
                       <a:fillRect b="-13043"/>
                     </a:stretch>
@@ -7672,7 +7846,7 @@
                     <a:avLst/>
                   </a:prstGeom>
                   <a:blipFill>
-                    <a:blip r:embed="rId6"/>
+                    <a:blip r:embed="rId7"/>
                     <a:stretch>
                       <a:fillRect b="-13043"/>
                     </a:stretch>
@@ -7731,7 +7905,7 @@
                 <p:nvPr/>
               </p:nvPicPr>
               <p:blipFill>
-                <a:blip r:embed="rId7"/>
+                <a:blip r:embed="rId8"/>
                 <a:stretch>
                   <a:fillRect/>
                 </a:stretch>
@@ -7761,7 +7935,7 @@
                 <p:nvPr/>
               </p:nvPicPr>
               <p:blipFill>
-                <a:blip r:embed="rId8"/>
+                <a:blip r:embed="rId9"/>
                 <a:stretch>
                   <a:fillRect/>
                 </a:stretch>
@@ -7791,7 +7965,7 @@
                 <p:nvPr/>
               </p:nvPicPr>
               <p:blipFill>
-                <a:blip r:embed="rId9"/>
+                <a:blip r:embed="rId10"/>
                 <a:stretch>
                   <a:fillRect/>
                 </a:stretch>
@@ -7821,7 +7995,7 @@
                 <p:nvPr/>
               </p:nvPicPr>
               <p:blipFill>
-                <a:blip r:embed="rId10"/>
+                <a:blip r:embed="rId11"/>
                 <a:stretch>
                   <a:fillRect/>
                 </a:stretch>
@@ -7851,7 +8025,7 @@
                 <p:nvPr/>
               </p:nvPicPr>
               <p:blipFill>
-                <a:blip r:embed="rId11"/>
+                <a:blip r:embed="rId12"/>
                 <a:stretch>
                   <a:fillRect/>
                 </a:stretch>
@@ -7902,7 +8076,7 @@
                 <p:nvPr/>
               </p:nvPicPr>
               <p:blipFill>
-                <a:blip r:embed="rId12"/>
+                <a:blip r:embed="rId13"/>
                 <a:stretch>
                   <a:fillRect/>
                 </a:stretch>
@@ -7932,7 +8106,7 @@
                 <p:nvPr/>
               </p:nvPicPr>
               <p:blipFill>
-                <a:blip r:embed="rId13"/>
+                <a:blip r:embed="rId14"/>
                 <a:stretch>
                   <a:fillRect/>
                 </a:stretch>
@@ -7962,7 +8136,7 @@
                 <p:nvPr/>
               </p:nvPicPr>
               <p:blipFill>
-                <a:blip r:embed="rId14"/>
+                <a:blip r:embed="rId15"/>
                 <a:stretch>
                   <a:fillRect/>
                 </a:stretch>
@@ -7992,7 +8166,7 @@
                 <p:nvPr/>
               </p:nvPicPr>
               <p:blipFill>
-                <a:blip r:embed="rId15"/>
+                <a:blip r:embed="rId16"/>
                 <a:stretch>
                   <a:fillRect/>
                 </a:stretch>
@@ -8022,7 +8196,7 @@
                 <p:nvPr/>
               </p:nvPicPr>
               <p:blipFill>
-                <a:blip r:embed="rId16"/>
+                <a:blip r:embed="rId17"/>
                 <a:stretch>
                   <a:fillRect/>
                 </a:stretch>
@@ -8073,7 +8247,7 @@
                 <p:nvPr/>
               </p:nvPicPr>
               <p:blipFill>
-                <a:blip r:embed="rId17"/>
+                <a:blip r:embed="rId18"/>
                 <a:stretch>
                   <a:fillRect/>
                 </a:stretch>
@@ -8103,7 +8277,7 @@
                 <p:nvPr/>
               </p:nvPicPr>
               <p:blipFill>
-                <a:blip r:embed="rId18"/>
+                <a:blip r:embed="rId19"/>
                 <a:stretch>
                   <a:fillRect/>
                 </a:stretch>
@@ -8133,7 +8307,7 @@
                 <p:nvPr/>
               </p:nvPicPr>
               <p:blipFill>
-                <a:blip r:embed="rId19"/>
+                <a:blip r:embed="rId20"/>
                 <a:stretch>
                   <a:fillRect/>
                 </a:stretch>
@@ -8163,7 +8337,7 @@
                 <p:nvPr/>
               </p:nvPicPr>
               <p:blipFill>
-                <a:blip r:embed="rId20"/>
+                <a:blip r:embed="rId21"/>
                 <a:stretch>
                   <a:fillRect/>
                 </a:stretch>
@@ -8193,7 +8367,7 @@
                 <p:nvPr/>
               </p:nvPicPr>
               <p:blipFill>
-                <a:blip r:embed="rId21"/>
+                <a:blip r:embed="rId22"/>
                 <a:stretch>
                   <a:fillRect/>
                 </a:stretch>
@@ -8382,7 +8556,7 @@
             <p:nvPr/>
           </p:nvPicPr>
           <p:blipFill rotWithShape="1">
-            <a:blip r:embed="rId22"/>
+            <a:blip r:embed="rId23"/>
             <a:srcRect l="77315" t="32407" b="34178"/>
             <a:stretch/>
           </p:blipFill>

--- a/workshop/figures/update/figures.pptx
+++ b/workshop/figures/update/figures.pptx
@@ -5,13 +5,15 @@
     <p:sldMasterId id="2147483648" r:id="rId1"/>
   </p:sldMasterIdLst>
   <p:notesMasterIdLst>
-    <p:notesMasterId r:id="rId6"/>
+    <p:notesMasterId r:id="rId8"/>
   </p:notesMasterIdLst>
   <p:sldIdLst>
     <p:sldId id="297" r:id="rId2"/>
     <p:sldId id="299" r:id="rId3"/>
     <p:sldId id="298" r:id="rId4"/>
     <p:sldId id="300" r:id="rId5"/>
+    <p:sldId id="301" r:id="rId6"/>
+    <p:sldId id="302" r:id="rId7"/>
   </p:sldIdLst>
   <p:sldSz cx="12192000" cy="6858000"/>
   <p:notesSz cx="6858000" cy="9144000"/>
@@ -110,6 +112,11 @@
       </a:defRPr>
     </a:lvl9pPr>
   </p:defaultTextStyle>
+  <p:extLst>
+    <p:ext uri="{EFAFB233-063F-42B5-8137-9DF3F51BA10A}">
+      <p15:sldGuideLst xmlns:p15="http://schemas.microsoft.com/office/powerpoint/2012/main"/>
+    </p:ext>
+  </p:extLst>
 </p:presentation>
 </file>
 
@@ -195,7 +202,7 @@
           <a:p>
             <a:fld id="{16A01B38-4F37-C348-916B-9D27BA967DE9}" type="datetimeFigureOut">
               <a:rPr lang="en-US" smtClean="0"/>
-              <a:t>7/30/24</a:t>
+              <a:t>9/25/24</a:t>
             </a:fld>
             <a:endParaRPr lang="en-US"/>
           </a:p>
@@ -957,7 +964,7 @@
           <a:p>
             <a:fld id="{436071E5-0F7E-7F4A-BB42-8903F947E286}" type="datetimeFigureOut">
               <a:rPr lang="en-US" smtClean="0"/>
-              <a:t>7/30/24</a:t>
+              <a:t>9/25/24</a:t>
             </a:fld>
             <a:endParaRPr lang="en-US"/>
           </a:p>
@@ -1155,7 +1162,7 @@
           <a:p>
             <a:fld id="{436071E5-0F7E-7F4A-BB42-8903F947E286}" type="datetimeFigureOut">
               <a:rPr lang="en-US" smtClean="0"/>
-              <a:t>7/30/24</a:t>
+              <a:t>9/25/24</a:t>
             </a:fld>
             <a:endParaRPr lang="en-US"/>
           </a:p>
@@ -1363,7 +1370,7 @@
           <a:p>
             <a:fld id="{436071E5-0F7E-7F4A-BB42-8903F947E286}" type="datetimeFigureOut">
               <a:rPr lang="en-US" smtClean="0"/>
-              <a:t>7/30/24</a:t>
+              <a:t>9/25/24</a:t>
             </a:fld>
             <a:endParaRPr lang="en-US"/>
           </a:p>
@@ -1561,7 +1568,7 @@
           <a:p>
             <a:fld id="{436071E5-0F7E-7F4A-BB42-8903F947E286}" type="datetimeFigureOut">
               <a:rPr lang="en-US" smtClean="0"/>
-              <a:t>7/30/24</a:t>
+              <a:t>9/25/24</a:t>
             </a:fld>
             <a:endParaRPr lang="en-US"/>
           </a:p>
@@ -1836,7 +1843,7 @@
           <a:p>
             <a:fld id="{436071E5-0F7E-7F4A-BB42-8903F947E286}" type="datetimeFigureOut">
               <a:rPr lang="en-US" smtClean="0"/>
-              <a:t>7/30/24</a:t>
+              <a:t>9/25/24</a:t>
             </a:fld>
             <a:endParaRPr lang="en-US"/>
           </a:p>
@@ -2101,7 +2108,7 @@
           <a:p>
             <a:fld id="{436071E5-0F7E-7F4A-BB42-8903F947E286}" type="datetimeFigureOut">
               <a:rPr lang="en-US" smtClean="0"/>
-              <a:t>7/30/24</a:t>
+              <a:t>9/25/24</a:t>
             </a:fld>
             <a:endParaRPr lang="en-US"/>
           </a:p>
@@ -2513,7 +2520,7 @@
           <a:p>
             <a:fld id="{436071E5-0F7E-7F4A-BB42-8903F947E286}" type="datetimeFigureOut">
               <a:rPr lang="en-US" smtClean="0"/>
-              <a:t>7/30/24</a:t>
+              <a:t>9/25/24</a:t>
             </a:fld>
             <a:endParaRPr lang="en-US"/>
           </a:p>
@@ -2654,7 +2661,7 @@
           <a:p>
             <a:fld id="{436071E5-0F7E-7F4A-BB42-8903F947E286}" type="datetimeFigureOut">
               <a:rPr lang="en-US" smtClean="0"/>
-              <a:t>7/30/24</a:t>
+              <a:t>9/25/24</a:t>
             </a:fld>
             <a:endParaRPr lang="en-US"/>
           </a:p>
@@ -2767,7 +2774,7 @@
           <a:p>
             <a:fld id="{436071E5-0F7E-7F4A-BB42-8903F947E286}" type="datetimeFigureOut">
               <a:rPr lang="en-US" smtClean="0"/>
-              <a:t>7/30/24</a:t>
+              <a:t>9/25/24</a:t>
             </a:fld>
             <a:endParaRPr lang="en-US"/>
           </a:p>
@@ -3078,7 +3085,7 @@
           <a:p>
             <a:fld id="{436071E5-0F7E-7F4A-BB42-8903F947E286}" type="datetimeFigureOut">
               <a:rPr lang="en-US" smtClean="0"/>
-              <a:t>7/30/24</a:t>
+              <a:t>9/25/24</a:t>
             </a:fld>
             <a:endParaRPr lang="en-US"/>
           </a:p>
@@ -3366,7 +3373,7 @@
           <a:p>
             <a:fld id="{436071E5-0F7E-7F4A-BB42-8903F947E286}" type="datetimeFigureOut">
               <a:rPr lang="en-US" smtClean="0"/>
-              <a:t>7/30/24</a:t>
+              <a:t>9/25/24</a:t>
             </a:fld>
             <a:endParaRPr lang="en-US"/>
           </a:p>
@@ -3607,7 +3614,7 @@
           <a:p>
             <a:fld id="{436071E5-0F7E-7F4A-BB42-8903F947E286}" type="datetimeFigureOut">
               <a:rPr lang="en-US" smtClean="0"/>
-              <a:t>7/30/24</a:t>
+              <a:t>9/25/24</a:t>
             </a:fld>
             <a:endParaRPr lang="en-US"/>
           </a:p>
@@ -4335,8 +4342,8 @@
                   </p:txBody>
                 </p:sp>
               </p:grpSp>
-              <mc:AlternateContent xmlns:mc="http://schemas.openxmlformats.org/markup-compatibility/2006">
-                <mc:Choice xmlns:a14="http://schemas.microsoft.com/office/drawing/2010/main" Requires="a14">
+              <mc:AlternateContent xmlns:mc="http://schemas.openxmlformats.org/markup-compatibility/2006" xmlns:a14="http://schemas.microsoft.com/office/drawing/2010/main">
+                <mc:Choice Requires="a14">
                   <p:sp>
                     <p:nvSpPr>
                       <p:cNvPr id="15" name="TextBox 14">
@@ -4391,7 +4398,7 @@
                     </p:txBody>
                   </p:sp>
                 </mc:Choice>
-                <mc:Fallback>
+                <mc:Fallback xmlns="">
                   <p:sp>
                     <p:nvSpPr>
                       <p:cNvPr id="15" name="TextBox 14">
@@ -4441,8 +4448,8 @@
                   </p:sp>
                 </mc:Fallback>
               </mc:AlternateContent>
-              <mc:AlternateContent xmlns:mc="http://schemas.openxmlformats.org/markup-compatibility/2006">
-                <mc:Choice xmlns:a14="http://schemas.microsoft.com/office/drawing/2010/main" Requires="a14">
+              <mc:AlternateContent xmlns:mc="http://schemas.openxmlformats.org/markup-compatibility/2006" xmlns:a14="http://schemas.microsoft.com/office/drawing/2010/main">
+                <mc:Choice Requires="a14">
                   <p:sp>
                     <p:nvSpPr>
                       <p:cNvPr id="16" name="TextBox 15">
@@ -4497,7 +4504,7 @@
                     </p:txBody>
                   </p:sp>
                 </mc:Choice>
-                <mc:Fallback>
+                <mc:Fallback xmlns="">
                   <p:sp>
                     <p:nvSpPr>
                       <p:cNvPr id="16" name="TextBox 15">
@@ -4547,8 +4554,8 @@
                   </p:sp>
                 </mc:Fallback>
               </mc:AlternateContent>
-              <mc:AlternateContent xmlns:mc="http://schemas.openxmlformats.org/markup-compatibility/2006">
-                <mc:Choice xmlns:a14="http://schemas.microsoft.com/office/drawing/2010/main" Requires="a14">
+              <mc:AlternateContent xmlns:mc="http://schemas.openxmlformats.org/markup-compatibility/2006" xmlns:a14="http://schemas.microsoft.com/office/drawing/2010/main">
+                <mc:Choice Requires="a14">
                   <p:sp>
                     <p:nvSpPr>
                       <p:cNvPr id="17" name="TextBox 16">
@@ -4603,7 +4610,7 @@
                     </p:txBody>
                   </p:sp>
                 </mc:Choice>
-                <mc:Fallback>
+                <mc:Fallback xmlns="">
                   <p:sp>
                     <p:nvSpPr>
                       <p:cNvPr id="17" name="TextBox 16">
@@ -4653,8 +4660,8 @@
                   </p:sp>
                 </mc:Fallback>
               </mc:AlternateContent>
-              <mc:AlternateContent xmlns:mc="http://schemas.openxmlformats.org/markup-compatibility/2006">
-                <mc:Choice xmlns:a14="http://schemas.microsoft.com/office/drawing/2010/main" Requires="a14">
+              <mc:AlternateContent xmlns:mc="http://schemas.openxmlformats.org/markup-compatibility/2006" xmlns:a14="http://schemas.microsoft.com/office/drawing/2010/main">
+                <mc:Choice Requires="a14">
                   <p:sp>
                     <p:nvSpPr>
                       <p:cNvPr id="18" name="TextBox 17">
@@ -4709,7 +4716,7 @@
                     </p:txBody>
                   </p:sp>
                 </mc:Choice>
-                <mc:Fallback>
+                <mc:Fallback xmlns="">
                   <p:sp>
                     <p:nvSpPr>
                       <p:cNvPr id="18" name="TextBox 17">
@@ -4800,8 +4807,8 @@
             </p:sp>
           </p:grpSp>
         </p:grpSp>
-        <mc:AlternateContent xmlns:mc="http://schemas.openxmlformats.org/markup-compatibility/2006">
-          <mc:Choice xmlns:a14="http://schemas.microsoft.com/office/drawing/2010/main" Requires="a14">
+        <mc:AlternateContent xmlns:mc="http://schemas.openxmlformats.org/markup-compatibility/2006" xmlns:a14="http://schemas.microsoft.com/office/drawing/2010/main">
+          <mc:Choice Requires="a14">
             <p:sp>
               <p:nvSpPr>
                 <p:cNvPr id="3" name="TextBox 2">
@@ -4856,7 +4863,7 @@
               </p:txBody>
             </p:sp>
           </mc:Choice>
-          <mc:Fallback>
+          <mc:Fallback xmlns="">
             <p:sp>
               <p:nvSpPr>
                 <p:cNvPr id="3" name="TextBox 2">
@@ -5257,8 +5264,8 @@
             </a:prstGeom>
           </p:spPr>
         </p:pic>
-        <mc:AlternateContent xmlns:mc="http://schemas.openxmlformats.org/markup-compatibility/2006">
-          <mc:Choice xmlns:a14="http://schemas.microsoft.com/office/drawing/2010/main" Requires="a14">
+        <mc:AlternateContent xmlns:mc="http://schemas.openxmlformats.org/markup-compatibility/2006" xmlns:a14="http://schemas.microsoft.com/office/drawing/2010/main">
+          <mc:Choice Requires="a14">
             <p:sp>
               <p:nvSpPr>
                 <p:cNvPr id="22" name="TextBox 21">
@@ -5311,7 +5318,7 @@
               </p:txBody>
             </p:sp>
           </mc:Choice>
-          <mc:Fallback>
+          <mc:Fallback xmlns="">
             <p:sp>
               <p:nvSpPr>
                 <p:cNvPr id="22" name="TextBox 21">
@@ -5359,8 +5366,8 @@
             </p:sp>
           </mc:Fallback>
         </mc:AlternateContent>
-        <mc:AlternateContent xmlns:mc="http://schemas.openxmlformats.org/markup-compatibility/2006">
-          <mc:Choice xmlns:a14="http://schemas.microsoft.com/office/drawing/2010/main" Requires="a14">
+        <mc:AlternateContent xmlns:mc="http://schemas.openxmlformats.org/markup-compatibility/2006" xmlns:a14="http://schemas.microsoft.com/office/drawing/2010/main">
+          <mc:Choice Requires="a14">
             <p:sp>
               <p:nvSpPr>
                 <p:cNvPr id="23" name="TextBox 22">
@@ -5413,7 +5420,7 @@
               </p:txBody>
             </p:sp>
           </mc:Choice>
-          <mc:Fallback>
+          <mc:Fallback xmlns="">
             <p:sp>
               <p:nvSpPr>
                 <p:cNvPr id="23" name="TextBox 22">
@@ -5461,8 +5468,8 @@
             </p:sp>
           </mc:Fallback>
         </mc:AlternateContent>
-        <mc:AlternateContent xmlns:mc="http://schemas.openxmlformats.org/markup-compatibility/2006">
-          <mc:Choice xmlns:a14="http://schemas.microsoft.com/office/drawing/2010/main" Requires="a14">
+        <mc:AlternateContent xmlns:mc="http://schemas.openxmlformats.org/markup-compatibility/2006" xmlns:a14="http://schemas.microsoft.com/office/drawing/2010/main">
+          <mc:Choice Requires="a14">
             <p:sp>
               <p:nvSpPr>
                 <p:cNvPr id="24" name="TextBox 23">
@@ -5515,7 +5522,7 @@
               </p:txBody>
             </p:sp>
           </mc:Choice>
-          <mc:Fallback>
+          <mc:Fallback xmlns="">
             <p:sp>
               <p:nvSpPr>
                 <p:cNvPr id="24" name="TextBox 23">
@@ -5563,8 +5570,8 @@
             </p:sp>
           </mc:Fallback>
         </mc:AlternateContent>
-        <mc:AlternateContent xmlns:mc="http://schemas.openxmlformats.org/markup-compatibility/2006">
-          <mc:Choice xmlns:a14="http://schemas.microsoft.com/office/drawing/2010/main" Requires="a14">
+        <mc:AlternateContent xmlns:mc="http://schemas.openxmlformats.org/markup-compatibility/2006" xmlns:a14="http://schemas.microsoft.com/office/drawing/2010/main">
+          <mc:Choice Requires="a14">
             <p:sp>
               <p:nvSpPr>
                 <p:cNvPr id="25" name="TextBox 24">
@@ -5617,7 +5624,7 @@
               </p:txBody>
             </p:sp>
           </mc:Choice>
-          <mc:Fallback>
+          <mc:Fallback xmlns="">
             <p:sp>
               <p:nvSpPr>
                 <p:cNvPr id="25" name="TextBox 24">
@@ -5665,8 +5672,8 @@
             </p:sp>
           </mc:Fallback>
         </mc:AlternateContent>
-        <mc:AlternateContent xmlns:mc="http://schemas.openxmlformats.org/markup-compatibility/2006">
-          <mc:Choice xmlns:a14="http://schemas.microsoft.com/office/drawing/2010/main" Requires="a14">
+        <mc:AlternateContent xmlns:mc="http://schemas.openxmlformats.org/markup-compatibility/2006" xmlns:a14="http://schemas.microsoft.com/office/drawing/2010/main">
+          <mc:Choice Requires="a14">
             <p:sp>
               <p:nvSpPr>
                 <p:cNvPr id="26" name="TextBox 25">
@@ -5719,7 +5726,7 @@
               </p:txBody>
             </p:sp>
           </mc:Choice>
-          <mc:Fallback>
+          <mc:Fallback xmlns="">
             <p:sp>
               <p:nvSpPr>
                 <p:cNvPr id="26" name="TextBox 25">
@@ -6330,8 +6337,8 @@
                     </p:txBody>
                   </p:sp>
                 </p:grpSp>
-                <mc:AlternateContent xmlns:mc="http://schemas.openxmlformats.org/markup-compatibility/2006">
-                  <mc:Choice xmlns:a14="http://schemas.microsoft.com/office/drawing/2010/main" Requires="a14">
+                <mc:AlternateContent xmlns:mc="http://schemas.openxmlformats.org/markup-compatibility/2006" xmlns:a14="http://schemas.microsoft.com/office/drawing/2010/main">
+                  <mc:Choice Requires="a14">
                     <p:sp>
                       <p:nvSpPr>
                         <p:cNvPr id="16" name="TextBox 15">
@@ -6421,7 +6428,7 @@
                       </p:txBody>
                     </p:sp>
                   </mc:Choice>
-                  <mc:Fallback>
+                  <mc:Fallback xmlns="">
                     <p:sp>
                       <p:nvSpPr>
                         <p:cNvPr id="16" name="TextBox 15">
@@ -6471,8 +6478,8 @@
                     </p:sp>
                   </mc:Fallback>
                 </mc:AlternateContent>
-                <mc:AlternateContent xmlns:mc="http://schemas.openxmlformats.org/markup-compatibility/2006">
-                  <mc:Choice xmlns:a14="http://schemas.microsoft.com/office/drawing/2010/main" Requires="a14">
+                <mc:AlternateContent xmlns:mc="http://schemas.openxmlformats.org/markup-compatibility/2006" xmlns:a14="http://schemas.microsoft.com/office/drawing/2010/main">
+                  <mc:Choice Requires="a14">
                     <p:sp>
                       <p:nvSpPr>
                         <p:cNvPr id="17" name="TextBox 16">
@@ -6562,7 +6569,7 @@
                       </p:txBody>
                     </p:sp>
                   </mc:Choice>
-                  <mc:Fallback>
+                  <mc:Fallback xmlns="">
                     <p:sp>
                       <p:nvSpPr>
                         <p:cNvPr id="17" name="TextBox 16">
@@ -6612,8 +6619,8 @@
                     </p:sp>
                   </mc:Fallback>
                 </mc:AlternateContent>
-                <mc:AlternateContent xmlns:mc="http://schemas.openxmlformats.org/markup-compatibility/2006">
-                  <mc:Choice xmlns:a14="http://schemas.microsoft.com/office/drawing/2010/main" Requires="a14">
+                <mc:AlternateContent xmlns:mc="http://schemas.openxmlformats.org/markup-compatibility/2006" xmlns:a14="http://schemas.microsoft.com/office/drawing/2010/main">
+                  <mc:Choice Requires="a14">
                     <p:sp>
                       <p:nvSpPr>
                         <p:cNvPr id="18" name="TextBox 17">
@@ -6697,7 +6704,7 @@
                       </p:txBody>
                     </p:sp>
                   </mc:Choice>
-                  <mc:Fallback>
+                  <mc:Fallback xmlns="">
                     <p:sp>
                       <p:nvSpPr>
                         <p:cNvPr id="18" name="TextBox 17">
@@ -6747,8 +6754,8 @@
                     </p:sp>
                   </mc:Fallback>
                 </mc:AlternateContent>
-                <mc:AlternateContent xmlns:mc="http://schemas.openxmlformats.org/markup-compatibility/2006">
-                  <mc:Choice xmlns:a14="http://schemas.microsoft.com/office/drawing/2010/main" Requires="a14">
+                <mc:AlternateContent xmlns:mc="http://schemas.openxmlformats.org/markup-compatibility/2006" xmlns:a14="http://schemas.microsoft.com/office/drawing/2010/main">
+                  <mc:Choice Requires="a14">
                     <p:sp>
                       <p:nvSpPr>
                         <p:cNvPr id="19" name="TextBox 18">
@@ -6838,7 +6845,7 @@
                       </p:txBody>
                     </p:sp>
                   </mc:Choice>
-                  <mc:Fallback>
+                  <mc:Fallback xmlns="">
                     <p:sp>
                       <p:nvSpPr>
                         <p:cNvPr id="19" name="TextBox 18">
@@ -6976,8 +6983,8 @@
             </p:sp>
           </p:grpSp>
         </p:grpSp>
-        <mc:AlternateContent xmlns:mc="http://schemas.openxmlformats.org/markup-compatibility/2006">
-          <mc:Choice xmlns:a14="http://schemas.microsoft.com/office/drawing/2010/main" Requires="a14">
+        <mc:AlternateContent xmlns:mc="http://schemas.openxmlformats.org/markup-compatibility/2006" xmlns:a14="http://schemas.microsoft.com/office/drawing/2010/main">
+          <mc:Choice Requires="a14">
             <p:sp>
               <p:nvSpPr>
                 <p:cNvPr id="2" name="TextBox 1">
@@ -7061,7 +7068,7 @@
               </p:txBody>
             </p:sp>
           </mc:Choice>
-          <mc:Fallback>
+          <mc:Fallback xmlns="">
             <p:sp>
               <p:nvSpPr>
                 <p:cNvPr id="2" name="TextBox 1">
@@ -7182,8 +7189,8 @@
               <a:chExt cx="7274932" cy="7262431"/>
             </a:xfrm>
           </p:grpSpPr>
-          <mc:AlternateContent xmlns:mc="http://schemas.openxmlformats.org/markup-compatibility/2006">
-            <mc:Choice xmlns:a14="http://schemas.microsoft.com/office/drawing/2010/main" Requires="a14">
+          <mc:AlternateContent xmlns:mc="http://schemas.openxmlformats.org/markup-compatibility/2006" xmlns:a14="http://schemas.microsoft.com/office/drawing/2010/main">
+            <mc:Choice Requires="a14">
               <p:sp>
                 <p:nvSpPr>
                   <p:cNvPr id="65" name="TextBox 64">
@@ -7274,7 +7281,7 @@
                 </p:txBody>
               </p:sp>
             </mc:Choice>
-            <mc:Fallback>
+            <mc:Fallback xmlns="">
               <p:sp>
                 <p:nvSpPr>
                   <p:cNvPr id="65" name="TextBox 64">
@@ -7322,8 +7329,8 @@
               </p:sp>
             </mc:Fallback>
           </mc:AlternateContent>
-          <mc:AlternateContent xmlns:mc="http://schemas.openxmlformats.org/markup-compatibility/2006">
-            <mc:Choice xmlns:a14="http://schemas.microsoft.com/office/drawing/2010/main" Requires="a14">
+          <mc:AlternateContent xmlns:mc="http://schemas.openxmlformats.org/markup-compatibility/2006" xmlns:a14="http://schemas.microsoft.com/office/drawing/2010/main">
+            <mc:Choice Requires="a14">
               <p:sp>
                 <p:nvSpPr>
                   <p:cNvPr id="66" name="TextBox 65">
@@ -7414,7 +7421,7 @@
                 </p:txBody>
               </p:sp>
             </mc:Choice>
-            <mc:Fallback>
+            <mc:Fallback xmlns="">
               <p:sp>
                 <p:nvSpPr>
                   <p:cNvPr id="66" name="TextBox 65">
@@ -7462,8 +7469,8 @@
               </p:sp>
             </mc:Fallback>
           </mc:AlternateContent>
-          <mc:AlternateContent xmlns:mc="http://schemas.openxmlformats.org/markup-compatibility/2006">
-            <mc:Choice xmlns:a14="http://schemas.microsoft.com/office/drawing/2010/main" Requires="a14">
+          <mc:AlternateContent xmlns:mc="http://schemas.openxmlformats.org/markup-compatibility/2006" xmlns:a14="http://schemas.microsoft.com/office/drawing/2010/main">
+            <mc:Choice Requires="a14">
               <p:sp>
                 <p:nvSpPr>
                   <p:cNvPr id="67" name="TextBox 66">
@@ -7548,7 +7555,7 @@
                 </p:txBody>
               </p:sp>
             </mc:Choice>
-            <mc:Fallback>
+            <mc:Fallback xmlns="">
               <p:sp>
                 <p:nvSpPr>
                   <p:cNvPr id="67" name="TextBox 66">
@@ -7596,8 +7603,8 @@
               </p:sp>
             </mc:Fallback>
           </mc:AlternateContent>
-          <mc:AlternateContent xmlns:mc="http://schemas.openxmlformats.org/markup-compatibility/2006">
-            <mc:Choice xmlns:a14="http://schemas.microsoft.com/office/drawing/2010/main" Requires="a14">
+          <mc:AlternateContent xmlns:mc="http://schemas.openxmlformats.org/markup-compatibility/2006" xmlns:a14="http://schemas.microsoft.com/office/drawing/2010/main">
+            <mc:Choice Requires="a14">
               <p:sp>
                 <p:nvSpPr>
                   <p:cNvPr id="68" name="TextBox 67">
@@ -7688,7 +7695,7 @@
                 </p:txBody>
               </p:sp>
             </mc:Choice>
-            <mc:Fallback>
+            <mc:Fallback xmlns="">
               <p:sp>
                 <p:nvSpPr>
                   <p:cNvPr id="68" name="TextBox 67">
@@ -7736,8 +7743,8 @@
               </p:sp>
             </mc:Fallback>
           </mc:AlternateContent>
-          <mc:AlternateContent xmlns:mc="http://schemas.openxmlformats.org/markup-compatibility/2006">
-            <mc:Choice xmlns:a14="http://schemas.microsoft.com/office/drawing/2010/main" Requires="a14">
+          <mc:AlternateContent xmlns:mc="http://schemas.openxmlformats.org/markup-compatibility/2006" xmlns:a14="http://schemas.microsoft.com/office/drawing/2010/main">
+            <mc:Choice Requires="a14">
               <p:sp>
                 <p:nvSpPr>
                   <p:cNvPr id="69" name="TextBox 68">
@@ -7822,7 +7829,7 @@
                 </p:txBody>
               </p:sp>
             </mc:Choice>
-            <mc:Fallback>
+            <mc:Fallback xmlns="">
               <p:sp>
                 <p:nvSpPr>
                   <p:cNvPr id="69" name="TextBox 68">
@@ -8622,6 +8629,340 @@
 </p:sld>
 </file>
 
+<file path=ppt/slides/slide5.xml><?xml version="1.0" encoding="utf-8"?>
+<p:sld xmlns:a="http://schemas.openxmlformats.org/drawingml/2006/main" xmlns:r="http://schemas.openxmlformats.org/officeDocument/2006/relationships" xmlns:p="http://schemas.openxmlformats.org/presentationml/2006/main">
+  <p:cSld>
+    <p:spTree>
+      <p:nvGrpSpPr>
+        <p:cNvPr id="1" name=""/>
+        <p:cNvGrpSpPr/>
+        <p:nvPr/>
+      </p:nvGrpSpPr>
+      <p:grpSpPr>
+        <a:xfrm>
+          <a:off x="0" y="0"/>
+          <a:ext cx="0" cy="0"/>
+          <a:chOff x="0" y="0"/>
+          <a:chExt cx="0" cy="0"/>
+        </a:xfrm>
+      </p:grpSpPr>
+      <p:grpSp>
+        <p:nvGrpSpPr>
+          <p:cNvPr id="21" name="Group 20">
+            <a:extLst>
+              <a:ext uri="{FF2B5EF4-FFF2-40B4-BE49-F238E27FC236}">
+                <a16:creationId xmlns:a16="http://schemas.microsoft.com/office/drawing/2014/main" id="{2A639AC3-6274-3C60-4412-CE2F47CA30B1}"/>
+              </a:ext>
+            </a:extLst>
+          </p:cNvPr>
+          <p:cNvGrpSpPr/>
+          <p:nvPr/>
+        </p:nvGrpSpPr>
+        <p:grpSpPr>
+          <a:xfrm>
+            <a:off x="115218" y="403310"/>
+            <a:ext cx="9251806" cy="6051379"/>
+            <a:chOff x="115218" y="403310"/>
+            <a:chExt cx="9251806" cy="6051379"/>
+          </a:xfrm>
+        </p:grpSpPr>
+        <p:grpSp>
+          <p:nvGrpSpPr>
+            <p:cNvPr id="18" name="Group 17">
+              <a:extLst>
+                <a:ext uri="{FF2B5EF4-FFF2-40B4-BE49-F238E27FC236}">
+                  <a16:creationId xmlns:a16="http://schemas.microsoft.com/office/drawing/2014/main" id="{51CE434A-5380-8A33-B981-53011A9D0455}"/>
+                </a:ext>
+              </a:extLst>
+            </p:cNvPr>
+            <p:cNvGrpSpPr/>
+            <p:nvPr/>
+          </p:nvGrpSpPr>
+          <p:grpSpPr>
+            <a:xfrm>
+              <a:off x="115218" y="403310"/>
+              <a:ext cx="9251806" cy="6051379"/>
+              <a:chOff x="-74352" y="-228600"/>
+              <a:chExt cx="10681392" cy="6986436"/>
+            </a:xfrm>
+          </p:grpSpPr>
+          <p:pic>
+            <p:nvPicPr>
+              <p:cNvPr id="13" name="Picture 12" descr="A graph of different colored lines&#10;&#10;Description automatically generated">
+                <a:extLst>
+                  <a:ext uri="{FF2B5EF4-FFF2-40B4-BE49-F238E27FC236}">
+                    <a16:creationId xmlns:a16="http://schemas.microsoft.com/office/drawing/2014/main" id="{396274C5-7C3C-3F44-7096-3099C02087E0}"/>
+                  </a:ext>
+                </a:extLst>
+              </p:cNvPr>
+              <p:cNvPicPr>
+                <a:picLocks noChangeAspect="1"/>
+              </p:cNvPicPr>
+              <p:nvPr/>
+            </p:nvPicPr>
+            <p:blipFill>
+              <a:blip r:embed="rId2"/>
+              <a:srcRect l="6476" r="16018"/>
+              <a:stretch/>
+            </p:blipFill>
+            <p:spPr>
+              <a:xfrm>
+                <a:off x="5646096" y="-228600"/>
+                <a:ext cx="4960944" cy="3657600"/>
+              </a:xfrm>
+              <a:prstGeom prst="rect">
+                <a:avLst/>
+              </a:prstGeom>
+            </p:spPr>
+          </p:pic>
+          <p:pic>
+            <p:nvPicPr>
+              <p:cNvPr id="17" name="Picture 16" descr="A graph of different colored lines&#10;&#10;Description automatically generated">
+                <a:extLst>
+                  <a:ext uri="{FF2B5EF4-FFF2-40B4-BE49-F238E27FC236}">
+                    <a16:creationId xmlns:a16="http://schemas.microsoft.com/office/drawing/2014/main" id="{937D394A-06CD-2574-287E-E1D9CFDDA453}"/>
+                  </a:ext>
+                </a:extLst>
+              </p:cNvPr>
+              <p:cNvPicPr>
+                <a:picLocks noChangeAspect="1"/>
+              </p:cNvPicPr>
+              <p:nvPr/>
+            </p:nvPicPr>
+            <p:blipFill>
+              <a:blip r:embed="rId3"/>
+              <a:srcRect l="4971" r="14857"/>
+              <a:stretch/>
+            </p:blipFill>
+            <p:spPr>
+              <a:xfrm>
+                <a:off x="5475408" y="3100236"/>
+                <a:ext cx="5131632" cy="3657600"/>
+              </a:xfrm>
+              <a:prstGeom prst="rect">
+                <a:avLst/>
+              </a:prstGeom>
+            </p:spPr>
+          </p:pic>
+          <p:pic>
+            <p:nvPicPr>
+              <p:cNvPr id="11" name="Picture 10" descr="A graph of different colored lines&#10;&#10;Description automatically generated">
+                <a:extLst>
+                  <a:ext uri="{FF2B5EF4-FFF2-40B4-BE49-F238E27FC236}">
+                    <a16:creationId xmlns:a16="http://schemas.microsoft.com/office/drawing/2014/main" id="{4BBA67D4-9C0F-D0B7-749D-47A29F1D922C}"/>
+                  </a:ext>
+                </a:extLst>
+              </p:cNvPr>
+              <p:cNvPicPr>
+                <a:picLocks noChangeAspect="1"/>
+              </p:cNvPicPr>
+              <p:nvPr/>
+            </p:nvPicPr>
+            <p:blipFill>
+              <a:blip r:embed="rId4"/>
+              <a:srcRect r="15619"/>
+              <a:stretch/>
+            </p:blipFill>
+            <p:spPr>
+              <a:xfrm>
+                <a:off x="0" y="-228600"/>
+                <a:ext cx="5401056" cy="3657600"/>
+              </a:xfrm>
+              <a:prstGeom prst="rect">
+                <a:avLst/>
+              </a:prstGeom>
+            </p:spPr>
+          </p:pic>
+          <p:pic>
+            <p:nvPicPr>
+              <p:cNvPr id="15" name="Picture 14" descr="A graph of different colored lines&#10;&#10;Description automatically generated">
+                <a:extLst>
+                  <a:ext uri="{FF2B5EF4-FFF2-40B4-BE49-F238E27FC236}">
+                    <a16:creationId xmlns:a16="http://schemas.microsoft.com/office/drawing/2014/main" id="{9727076A-CDC9-C30A-689C-8FC3953CA963}"/>
+                  </a:ext>
+                </a:extLst>
+              </p:cNvPr>
+              <p:cNvPicPr>
+                <a:picLocks noChangeAspect="1"/>
+              </p:cNvPicPr>
+              <p:nvPr/>
+            </p:nvPicPr>
+            <p:blipFill>
+              <a:blip r:embed="rId5"/>
+              <a:srcRect r="14457"/>
+              <a:stretch/>
+            </p:blipFill>
+            <p:spPr>
+              <a:xfrm>
+                <a:off x="-74352" y="3100236"/>
+                <a:ext cx="5475408" cy="3657600"/>
+              </a:xfrm>
+              <a:prstGeom prst="rect">
+                <a:avLst/>
+              </a:prstGeom>
+            </p:spPr>
+          </p:pic>
+        </p:grpSp>
+        <p:pic>
+          <p:nvPicPr>
+            <p:cNvPr id="19" name="Picture 18" descr="A graph of different colored lines&#10;&#10;Description automatically generated">
+              <a:extLst>
+                <a:ext uri="{FF2B5EF4-FFF2-40B4-BE49-F238E27FC236}">
+                  <a16:creationId xmlns:a16="http://schemas.microsoft.com/office/drawing/2014/main" id="{A6C9AB5D-7560-464B-C607-3F94126DAE23}"/>
+                </a:ext>
+              </a:extLst>
+            </p:cNvPr>
+            <p:cNvPicPr>
+              <a:picLocks noChangeAspect="1"/>
+            </p:cNvPicPr>
+            <p:nvPr/>
+          </p:nvPicPr>
+          <p:blipFill>
+            <a:blip r:embed="rId5"/>
+            <a:srcRect l="85048" t="27583" b="33084"/>
+            <a:stretch/>
+          </p:blipFill>
+          <p:spPr>
+            <a:xfrm>
+              <a:off x="1133856" y="853440"/>
+              <a:ext cx="957072" cy="1438656"/>
+            </a:xfrm>
+            <a:prstGeom prst="rect">
+              <a:avLst/>
+            </a:prstGeom>
+          </p:spPr>
+        </p:pic>
+        <p:pic>
+          <p:nvPicPr>
+            <p:cNvPr id="20" name="Picture 19" descr="A graph of different colored lines&#10;&#10;Description automatically generated">
+              <a:extLst>
+                <a:ext uri="{FF2B5EF4-FFF2-40B4-BE49-F238E27FC236}">
+                  <a16:creationId xmlns:a16="http://schemas.microsoft.com/office/drawing/2014/main" id="{F03E3DBD-A4C7-76E1-A7DE-45E83B259819}"/>
+                </a:ext>
+              </a:extLst>
+            </p:cNvPr>
+            <p:cNvPicPr>
+              <a:picLocks noChangeAspect="1"/>
+            </p:cNvPicPr>
+            <p:nvPr/>
+          </p:nvPicPr>
+          <p:blipFill>
+            <a:blip r:embed="rId2"/>
+            <a:srcRect l="82895" t="29482" b="31184"/>
+            <a:stretch/>
+          </p:blipFill>
+          <p:spPr>
+            <a:xfrm>
+              <a:off x="7952752" y="831179"/>
+              <a:ext cx="1094880" cy="1438656"/>
+            </a:xfrm>
+            <a:prstGeom prst="rect">
+              <a:avLst/>
+            </a:prstGeom>
+          </p:spPr>
+        </p:pic>
+      </p:grpSp>
+    </p:spTree>
+    <p:extLst>
+      <p:ext uri="{BB962C8B-B14F-4D97-AF65-F5344CB8AC3E}">
+        <p14:creationId xmlns:p14="http://schemas.microsoft.com/office/powerpoint/2010/main" val="2615100737"/>
+      </p:ext>
+    </p:extLst>
+  </p:cSld>
+  <p:clrMapOvr>
+    <a:masterClrMapping/>
+  </p:clrMapOvr>
+</p:sld>
+</file>
+
+<file path=ppt/slides/slide6.xml><?xml version="1.0" encoding="utf-8"?>
+<p:sld xmlns:a="http://schemas.openxmlformats.org/drawingml/2006/main" xmlns:r="http://schemas.openxmlformats.org/officeDocument/2006/relationships" xmlns:p="http://schemas.openxmlformats.org/presentationml/2006/main">
+  <p:cSld>
+    <p:spTree>
+      <p:nvGrpSpPr>
+        <p:cNvPr id="1" name=""/>
+        <p:cNvGrpSpPr/>
+        <p:nvPr/>
+      </p:nvGrpSpPr>
+      <p:grpSpPr>
+        <a:xfrm>
+          <a:off x="0" y="0"/>
+          <a:ext cx="0" cy="0"/>
+          <a:chOff x="0" y="0"/>
+          <a:chExt cx="0" cy="0"/>
+        </a:xfrm>
+      </p:grpSpPr>
+      <p:pic>
+        <p:nvPicPr>
+          <p:cNvPr id="3" name="Picture 2" descr="A graph of different colored lines&#10;&#10;Description automatically generated">
+            <a:extLst>
+              <a:ext uri="{FF2B5EF4-FFF2-40B4-BE49-F238E27FC236}">
+                <a16:creationId xmlns:a16="http://schemas.microsoft.com/office/drawing/2014/main" id="{2043210E-2668-2C02-F69B-E84956C88317}"/>
+              </a:ext>
+            </a:extLst>
+          </p:cNvPr>
+          <p:cNvPicPr>
+            <a:picLocks noChangeAspect="1"/>
+          </p:cNvPicPr>
+          <p:nvPr/>
+        </p:nvPicPr>
+        <p:blipFill>
+          <a:blip r:embed="rId2"/>
+          <a:srcRect l="85048" t="27583" b="33084"/>
+          <a:stretch/>
+        </p:blipFill>
+        <p:spPr>
+          <a:xfrm>
+            <a:off x="6851904" y="2609088"/>
+            <a:ext cx="957072" cy="1438656"/>
+          </a:xfrm>
+          <a:prstGeom prst="rect">
+            <a:avLst/>
+          </a:prstGeom>
+        </p:spPr>
+      </p:pic>
+      <p:pic>
+        <p:nvPicPr>
+          <p:cNvPr id="5" name="Picture 4" descr="A graph of different colored lines&#10;&#10;Description automatically generated">
+            <a:extLst>
+              <a:ext uri="{FF2B5EF4-FFF2-40B4-BE49-F238E27FC236}">
+                <a16:creationId xmlns:a16="http://schemas.microsoft.com/office/drawing/2014/main" id="{08B255F9-0379-C8FB-C189-5130D0231129}"/>
+              </a:ext>
+            </a:extLst>
+          </p:cNvPr>
+          <p:cNvPicPr>
+            <a:picLocks noChangeAspect="1"/>
+          </p:cNvPicPr>
+          <p:nvPr/>
+        </p:nvPicPr>
+        <p:blipFill>
+          <a:blip r:embed="rId3"/>
+          <a:srcRect l="82895" t="29482" b="31184"/>
+          <a:stretch/>
+        </p:blipFill>
+        <p:spPr>
+          <a:xfrm>
+            <a:off x="8351520" y="2828544"/>
+            <a:ext cx="1094880" cy="1438656"/>
+          </a:xfrm>
+          <a:prstGeom prst="rect">
+            <a:avLst/>
+          </a:prstGeom>
+        </p:spPr>
+      </p:pic>
+    </p:spTree>
+    <p:extLst>
+      <p:ext uri="{BB962C8B-B14F-4D97-AF65-F5344CB8AC3E}">
+        <p14:creationId xmlns:p14="http://schemas.microsoft.com/office/powerpoint/2010/main" val="2485796726"/>
+      </p:ext>
+    </p:extLst>
+  </p:cSld>
+  <p:clrMapOvr>
+    <a:masterClrMapping/>
+  </p:clrMapOvr>
+</p:sld>
+</file>
+
 <file path=ppt/theme/theme1.xml><?xml version="1.0" encoding="utf-8"?>
 <a:theme xmlns:a="http://schemas.openxmlformats.org/drawingml/2006/main" name="Office Theme">
   <a:themeElements>
